--- a/files/introduction.pptx
+++ b/files/introduction.pptx
@@ -5,7 +5,7 @@
     <p:sldMasterId id="2147483648" r:id="rId1"/>
   </p:sldMasterIdLst>
   <p:notesMasterIdLst>
-    <p:notesMasterId r:id="rId22"/>
+    <p:notesMasterId r:id="rId19"/>
   </p:notesMasterIdLst>
   <p:sldIdLst>
     <p:sldId id="276" r:id="rId2"/>
@@ -16,18 +16,15 @@
     <p:sldId id="281" r:id="rId7"/>
     <p:sldId id="275" r:id="rId8"/>
     <p:sldId id="296" r:id="rId9"/>
-    <p:sldId id="286" r:id="rId10"/>
-    <p:sldId id="293" r:id="rId11"/>
-    <p:sldId id="295" r:id="rId12"/>
-    <p:sldId id="287" r:id="rId13"/>
-    <p:sldId id="289" r:id="rId14"/>
-    <p:sldId id="291" r:id="rId15"/>
-    <p:sldId id="288" r:id="rId16"/>
-    <p:sldId id="290" r:id="rId17"/>
-    <p:sldId id="297" r:id="rId18"/>
-    <p:sldId id="298" r:id="rId19"/>
-    <p:sldId id="299" r:id="rId20"/>
-    <p:sldId id="292" r:id="rId21"/>
+    <p:sldId id="287" r:id="rId10"/>
+    <p:sldId id="289" r:id="rId11"/>
+    <p:sldId id="291" r:id="rId12"/>
+    <p:sldId id="288" r:id="rId13"/>
+    <p:sldId id="290" r:id="rId14"/>
+    <p:sldId id="297" r:id="rId15"/>
+    <p:sldId id="298" r:id="rId16"/>
+    <p:sldId id="299" r:id="rId17"/>
+    <p:sldId id="292" r:id="rId18"/>
   </p:sldIdLst>
   <p:sldSz cx="12192000" cy="6858000"/>
   <p:notesSz cx="6858000" cy="9144000"/>
@@ -226,7 +223,7 @@
           <a:p>
             <a:fld id="{C6513600-717B-4CBB-9AFE-1F576C1D3E1D}" type="datetimeFigureOut">
               <a:rPr lang="he-IL" smtClean="0"/>
-              <a:t>כ"ג/חשון/תשפ"ה</a:t>
+              <a:t>כ"ב/חשון/תשפ"ו</a:t>
             </a:fld>
             <a:endParaRPr lang="he-IL"/>
           </a:p>
@@ -652,7 +649,7 @@
     </p:spTree>
     <p:extLst>
       <p:ext uri="{BB962C8B-B14F-4D97-AF65-F5344CB8AC3E}">
-        <p14:creationId xmlns:p14="http://schemas.microsoft.com/office/powerpoint/2010/main" val="3977361991"/>
+        <p14:creationId xmlns:p14="http://schemas.microsoft.com/office/powerpoint/2010/main" val="2204691040"/>
       </p:ext>
     </p:extLst>
   </p:cSld>
@@ -736,7 +733,7 @@
     </p:spTree>
     <p:extLst>
       <p:ext uri="{BB962C8B-B14F-4D97-AF65-F5344CB8AC3E}">
-        <p14:creationId xmlns:p14="http://schemas.microsoft.com/office/powerpoint/2010/main" val="1838229123"/>
+        <p14:creationId xmlns:p14="http://schemas.microsoft.com/office/powerpoint/2010/main" val="3582003593"/>
       </p:ext>
     </p:extLst>
   </p:cSld>
@@ -820,7 +817,7 @@
     </p:spTree>
     <p:extLst>
       <p:ext uri="{BB962C8B-B14F-4D97-AF65-F5344CB8AC3E}">
-        <p14:creationId xmlns:p14="http://schemas.microsoft.com/office/powerpoint/2010/main" val="2388331663"/>
+        <p14:creationId xmlns:p14="http://schemas.microsoft.com/office/powerpoint/2010/main" val="1979103862"/>
       </p:ext>
     </p:extLst>
   </p:cSld>
@@ -874,6 +871,7 @@
           <a:bodyPr/>
           <a:lstStyle/>
           <a:p>
+            <a:pPr marL="0" algn="r" defTabSz="914400" rtl="1" eaLnBrk="1" latinLnBrk="0" hangingPunct="1"/>
             <a:endParaRPr lang="en-IL"/>
           </a:p>
         </p:txBody>
@@ -904,7 +902,7 @@
     </p:spTree>
     <p:extLst>
       <p:ext uri="{BB962C8B-B14F-4D97-AF65-F5344CB8AC3E}">
-        <p14:creationId xmlns:p14="http://schemas.microsoft.com/office/powerpoint/2010/main" val="2204691040"/>
+        <p14:creationId xmlns:p14="http://schemas.microsoft.com/office/powerpoint/2010/main" val="3545424560"/>
       </p:ext>
     </p:extLst>
   </p:cSld>
@@ -988,7 +986,7 @@
     </p:spTree>
     <p:extLst>
       <p:ext uri="{BB962C8B-B14F-4D97-AF65-F5344CB8AC3E}">
-        <p14:creationId xmlns:p14="http://schemas.microsoft.com/office/powerpoint/2010/main" val="3582003593"/>
+        <p14:creationId xmlns:p14="http://schemas.microsoft.com/office/powerpoint/2010/main" val="538856794"/>
       </p:ext>
     </p:extLst>
   </p:cSld>
@@ -1072,7 +1070,7 @@
     </p:spTree>
     <p:extLst>
       <p:ext uri="{BB962C8B-B14F-4D97-AF65-F5344CB8AC3E}">
-        <p14:creationId xmlns:p14="http://schemas.microsoft.com/office/powerpoint/2010/main" val="1979103862"/>
+        <p14:creationId xmlns:p14="http://schemas.microsoft.com/office/powerpoint/2010/main" val="3268292691"/>
       </p:ext>
     </p:extLst>
   </p:cSld>
@@ -1149,259 +1147,6 @@
             <a:fld id="{C2E715B0-74F3-B64E-A730-C7F3E6BEB915}" type="slidenum">
               <a:rPr lang="en-IL" smtClean="0"/>
               <a:t>17</a:t>
-            </a:fld>
-            <a:endParaRPr lang="en-IL"/>
-          </a:p>
-        </p:txBody>
-      </p:sp>
-    </p:spTree>
-    <p:extLst>
-      <p:ext uri="{BB962C8B-B14F-4D97-AF65-F5344CB8AC3E}">
-        <p14:creationId xmlns:p14="http://schemas.microsoft.com/office/powerpoint/2010/main" val="3545424560"/>
-      </p:ext>
-    </p:extLst>
-  </p:cSld>
-  <p:clrMapOvr>
-    <a:masterClrMapping/>
-  </p:clrMapOvr>
-</p:notes>
-</file>
-
-<file path=ppt/notesSlides/notesSlide17.xml><?xml version="1.0" encoding="utf-8"?>
-<p:notes xmlns:a="http://schemas.openxmlformats.org/drawingml/2006/main" xmlns:r="http://schemas.openxmlformats.org/officeDocument/2006/relationships" xmlns:p="http://schemas.openxmlformats.org/presentationml/2006/main">
-  <p:cSld>
-    <p:spTree>
-      <p:nvGrpSpPr>
-        <p:cNvPr id="1" name=""/>
-        <p:cNvGrpSpPr/>
-        <p:nvPr/>
-      </p:nvGrpSpPr>
-      <p:grpSpPr>
-        <a:xfrm>
-          <a:off x="0" y="0"/>
-          <a:ext cx="0" cy="0"/>
-          <a:chOff x="0" y="0"/>
-          <a:chExt cx="0" cy="0"/>
-        </a:xfrm>
-      </p:grpSpPr>
-      <p:sp>
-        <p:nvSpPr>
-          <p:cNvPr id="2" name="Slide Image Placeholder 1"/>
-          <p:cNvSpPr>
-            <a:spLocks noGrp="1" noRot="1" noChangeAspect="1"/>
-          </p:cNvSpPr>
-          <p:nvPr>
-            <p:ph type="sldImg"/>
-          </p:nvPr>
-        </p:nvSpPr>
-        <p:spPr/>
-      </p:sp>
-      <p:sp>
-        <p:nvSpPr>
-          <p:cNvPr id="3" name="Notes Placeholder 2"/>
-          <p:cNvSpPr>
-            <a:spLocks noGrp="1"/>
-          </p:cNvSpPr>
-          <p:nvPr>
-            <p:ph type="body" idx="1"/>
-          </p:nvPr>
-        </p:nvSpPr>
-        <p:spPr/>
-        <p:txBody>
-          <a:bodyPr/>
-          <a:lstStyle/>
-          <a:p>
-            <a:endParaRPr lang="en-IL"/>
-          </a:p>
-        </p:txBody>
-      </p:sp>
-      <p:sp>
-        <p:nvSpPr>
-          <p:cNvPr id="4" name="Slide Number Placeholder 3"/>
-          <p:cNvSpPr>
-            <a:spLocks noGrp="1"/>
-          </p:cNvSpPr>
-          <p:nvPr>
-            <p:ph type="sldNum" sz="quarter" idx="5"/>
-          </p:nvPr>
-        </p:nvSpPr>
-        <p:spPr/>
-        <p:txBody>
-          <a:bodyPr/>
-          <a:lstStyle/>
-          <a:p>
-            <a:fld id="{C2E715B0-74F3-B64E-A730-C7F3E6BEB915}" type="slidenum">
-              <a:rPr lang="en-IL" smtClean="0"/>
-              <a:t>18</a:t>
-            </a:fld>
-            <a:endParaRPr lang="en-IL"/>
-          </a:p>
-        </p:txBody>
-      </p:sp>
-    </p:spTree>
-    <p:extLst>
-      <p:ext uri="{BB962C8B-B14F-4D97-AF65-F5344CB8AC3E}">
-        <p14:creationId xmlns:p14="http://schemas.microsoft.com/office/powerpoint/2010/main" val="538856794"/>
-      </p:ext>
-    </p:extLst>
-  </p:cSld>
-  <p:clrMapOvr>
-    <a:masterClrMapping/>
-  </p:clrMapOvr>
-</p:notes>
-</file>
-
-<file path=ppt/notesSlides/notesSlide18.xml><?xml version="1.0" encoding="utf-8"?>
-<p:notes xmlns:a="http://schemas.openxmlformats.org/drawingml/2006/main" xmlns:r="http://schemas.openxmlformats.org/officeDocument/2006/relationships" xmlns:p="http://schemas.openxmlformats.org/presentationml/2006/main">
-  <p:cSld>
-    <p:spTree>
-      <p:nvGrpSpPr>
-        <p:cNvPr id="1" name=""/>
-        <p:cNvGrpSpPr/>
-        <p:nvPr/>
-      </p:nvGrpSpPr>
-      <p:grpSpPr>
-        <a:xfrm>
-          <a:off x="0" y="0"/>
-          <a:ext cx="0" cy="0"/>
-          <a:chOff x="0" y="0"/>
-          <a:chExt cx="0" cy="0"/>
-        </a:xfrm>
-      </p:grpSpPr>
-      <p:sp>
-        <p:nvSpPr>
-          <p:cNvPr id="2" name="Slide Image Placeholder 1"/>
-          <p:cNvSpPr>
-            <a:spLocks noGrp="1" noRot="1" noChangeAspect="1"/>
-          </p:cNvSpPr>
-          <p:nvPr>
-            <p:ph type="sldImg"/>
-          </p:nvPr>
-        </p:nvSpPr>
-        <p:spPr/>
-      </p:sp>
-      <p:sp>
-        <p:nvSpPr>
-          <p:cNvPr id="3" name="Notes Placeholder 2"/>
-          <p:cNvSpPr>
-            <a:spLocks noGrp="1"/>
-          </p:cNvSpPr>
-          <p:nvPr>
-            <p:ph type="body" idx="1"/>
-          </p:nvPr>
-        </p:nvSpPr>
-        <p:spPr/>
-        <p:txBody>
-          <a:bodyPr/>
-          <a:lstStyle/>
-          <a:p>
-            <a:endParaRPr lang="en-IL"/>
-          </a:p>
-        </p:txBody>
-      </p:sp>
-      <p:sp>
-        <p:nvSpPr>
-          <p:cNvPr id="4" name="Slide Number Placeholder 3"/>
-          <p:cNvSpPr>
-            <a:spLocks noGrp="1"/>
-          </p:cNvSpPr>
-          <p:nvPr>
-            <p:ph type="sldNum" sz="quarter" idx="5"/>
-          </p:nvPr>
-        </p:nvSpPr>
-        <p:spPr/>
-        <p:txBody>
-          <a:bodyPr/>
-          <a:lstStyle/>
-          <a:p>
-            <a:fld id="{C2E715B0-74F3-B64E-A730-C7F3E6BEB915}" type="slidenum">
-              <a:rPr lang="en-IL" smtClean="0"/>
-              <a:t>19</a:t>
-            </a:fld>
-            <a:endParaRPr lang="en-IL"/>
-          </a:p>
-        </p:txBody>
-      </p:sp>
-    </p:spTree>
-    <p:extLst>
-      <p:ext uri="{BB962C8B-B14F-4D97-AF65-F5344CB8AC3E}">
-        <p14:creationId xmlns:p14="http://schemas.microsoft.com/office/powerpoint/2010/main" val="3268292691"/>
-      </p:ext>
-    </p:extLst>
-  </p:cSld>
-  <p:clrMapOvr>
-    <a:masterClrMapping/>
-  </p:clrMapOvr>
-</p:notes>
-</file>
-
-<file path=ppt/notesSlides/notesSlide19.xml><?xml version="1.0" encoding="utf-8"?>
-<p:notes xmlns:a="http://schemas.openxmlformats.org/drawingml/2006/main" xmlns:r="http://schemas.openxmlformats.org/officeDocument/2006/relationships" xmlns:p="http://schemas.openxmlformats.org/presentationml/2006/main">
-  <p:cSld>
-    <p:spTree>
-      <p:nvGrpSpPr>
-        <p:cNvPr id="1" name=""/>
-        <p:cNvGrpSpPr/>
-        <p:nvPr/>
-      </p:nvGrpSpPr>
-      <p:grpSpPr>
-        <a:xfrm>
-          <a:off x="0" y="0"/>
-          <a:ext cx="0" cy="0"/>
-          <a:chOff x="0" y="0"/>
-          <a:chExt cx="0" cy="0"/>
-        </a:xfrm>
-      </p:grpSpPr>
-      <p:sp>
-        <p:nvSpPr>
-          <p:cNvPr id="2" name="Slide Image Placeholder 1"/>
-          <p:cNvSpPr>
-            <a:spLocks noGrp="1" noRot="1" noChangeAspect="1"/>
-          </p:cNvSpPr>
-          <p:nvPr>
-            <p:ph type="sldImg"/>
-          </p:nvPr>
-        </p:nvSpPr>
-        <p:spPr/>
-      </p:sp>
-      <p:sp>
-        <p:nvSpPr>
-          <p:cNvPr id="3" name="Notes Placeholder 2"/>
-          <p:cNvSpPr>
-            <a:spLocks noGrp="1"/>
-          </p:cNvSpPr>
-          <p:nvPr>
-            <p:ph type="body" idx="1"/>
-          </p:nvPr>
-        </p:nvSpPr>
-        <p:spPr/>
-        <p:txBody>
-          <a:bodyPr/>
-          <a:lstStyle/>
-          <a:p>
-            <a:pPr marL="0" algn="r" defTabSz="914400" rtl="1" eaLnBrk="1" latinLnBrk="0" hangingPunct="1"/>
-            <a:endParaRPr lang="en-IL"/>
-          </a:p>
-        </p:txBody>
-      </p:sp>
-      <p:sp>
-        <p:nvSpPr>
-          <p:cNvPr id="4" name="Slide Number Placeholder 3"/>
-          <p:cNvSpPr>
-            <a:spLocks noGrp="1"/>
-          </p:cNvSpPr>
-          <p:nvPr>
-            <p:ph type="sldNum" sz="quarter" idx="5"/>
-          </p:nvPr>
-        </p:nvSpPr>
-        <p:spPr/>
-        <p:txBody>
-          <a:bodyPr/>
-          <a:lstStyle/>
-          <a:p>
-            <a:fld id="{C2E715B0-74F3-B64E-A730-C7F3E6BEB915}" type="slidenum">
-              <a:rPr lang="en-IL" smtClean="0"/>
-              <a:t>20</a:t>
             </a:fld>
             <a:endParaRPr lang="en-IL"/>
           </a:p>
@@ -1999,7 +1744,7 @@
     </p:spTree>
     <p:extLst>
       <p:ext uri="{BB962C8B-B14F-4D97-AF65-F5344CB8AC3E}">
-        <p14:creationId xmlns:p14="http://schemas.microsoft.com/office/powerpoint/2010/main" val="1534581595"/>
+        <p14:creationId xmlns:p14="http://schemas.microsoft.com/office/powerpoint/2010/main" val="1838229123"/>
       </p:ext>
     </p:extLst>
   </p:cSld>
@@ -2083,7 +1828,7 @@
     </p:spTree>
     <p:extLst>
       <p:ext uri="{BB962C8B-B14F-4D97-AF65-F5344CB8AC3E}">
-        <p14:creationId xmlns:p14="http://schemas.microsoft.com/office/powerpoint/2010/main" val="3983720423"/>
+        <p14:creationId xmlns:p14="http://schemas.microsoft.com/office/powerpoint/2010/main" val="2388331663"/>
       </p:ext>
     </p:extLst>
   </p:cSld>
@@ -2242,7 +1987,7 @@
           <a:p>
             <a:fld id="{02109FA5-8937-4EFE-A1A6-BD6EB76E3D9A}" type="datetimeFigureOut">
               <a:rPr lang="he-IL" smtClean="0"/>
-              <a:t>כ"ג/חשון/תשפ"ה</a:t>
+              <a:t>כ"ב/חשון/תשפ"ו</a:t>
             </a:fld>
             <a:endParaRPr lang="he-IL"/>
           </a:p>
@@ -2442,7 +2187,7 @@
           <a:p>
             <a:fld id="{02109FA5-8937-4EFE-A1A6-BD6EB76E3D9A}" type="datetimeFigureOut">
               <a:rPr lang="he-IL" smtClean="0"/>
-              <a:t>כ"ג/חשון/תשפ"ה</a:t>
+              <a:t>כ"ב/חשון/תשפ"ו</a:t>
             </a:fld>
             <a:endParaRPr lang="he-IL"/>
           </a:p>
@@ -2652,7 +2397,7 @@
           <a:p>
             <a:fld id="{02109FA5-8937-4EFE-A1A6-BD6EB76E3D9A}" type="datetimeFigureOut">
               <a:rPr lang="he-IL" smtClean="0"/>
-              <a:t>כ"ג/חשון/תשפ"ה</a:t>
+              <a:t>כ"ב/חשון/תשפ"ו</a:t>
             </a:fld>
             <a:endParaRPr lang="he-IL"/>
           </a:p>
@@ -2852,7 +2597,7 @@
           <a:p>
             <a:fld id="{02109FA5-8937-4EFE-A1A6-BD6EB76E3D9A}" type="datetimeFigureOut">
               <a:rPr lang="he-IL" smtClean="0"/>
-              <a:t>כ"ג/חשון/תשפ"ה</a:t>
+              <a:t>כ"ב/חשון/תשפ"ו</a:t>
             </a:fld>
             <a:endParaRPr lang="he-IL"/>
           </a:p>
@@ -3128,7 +2873,7 @@
           <a:p>
             <a:fld id="{02109FA5-8937-4EFE-A1A6-BD6EB76E3D9A}" type="datetimeFigureOut">
               <a:rPr lang="he-IL" smtClean="0"/>
-              <a:t>כ"ג/חשון/תשפ"ה</a:t>
+              <a:t>כ"ב/חשון/תשפ"ו</a:t>
             </a:fld>
             <a:endParaRPr lang="he-IL"/>
           </a:p>
@@ -3396,7 +3141,7 @@
           <a:p>
             <a:fld id="{02109FA5-8937-4EFE-A1A6-BD6EB76E3D9A}" type="datetimeFigureOut">
               <a:rPr lang="he-IL" smtClean="0"/>
-              <a:t>כ"ג/חשון/תשפ"ה</a:t>
+              <a:t>כ"ב/חשון/תשפ"ו</a:t>
             </a:fld>
             <a:endParaRPr lang="he-IL"/>
           </a:p>
@@ -3811,7 +3556,7 @@
           <a:p>
             <a:fld id="{02109FA5-8937-4EFE-A1A6-BD6EB76E3D9A}" type="datetimeFigureOut">
               <a:rPr lang="he-IL" smtClean="0"/>
-              <a:t>כ"ג/חשון/תשפ"ה</a:t>
+              <a:t>כ"ב/חשון/תשפ"ו</a:t>
             </a:fld>
             <a:endParaRPr lang="he-IL"/>
           </a:p>
@@ -3953,7 +3698,7 @@
           <a:p>
             <a:fld id="{02109FA5-8937-4EFE-A1A6-BD6EB76E3D9A}" type="datetimeFigureOut">
               <a:rPr lang="he-IL" smtClean="0"/>
-              <a:t>כ"ג/חשון/תשפ"ה</a:t>
+              <a:t>כ"ב/חשון/תשפ"ו</a:t>
             </a:fld>
             <a:endParaRPr lang="he-IL"/>
           </a:p>
@@ -4066,7 +3811,7 @@
           <a:p>
             <a:fld id="{02109FA5-8937-4EFE-A1A6-BD6EB76E3D9A}" type="datetimeFigureOut">
               <a:rPr lang="he-IL" smtClean="0"/>
-              <a:t>כ"ג/חשון/תשפ"ה</a:t>
+              <a:t>כ"ב/חשון/תשפ"ו</a:t>
             </a:fld>
             <a:endParaRPr lang="he-IL"/>
           </a:p>
@@ -4379,7 +4124,7 @@
           <a:p>
             <a:fld id="{02109FA5-8937-4EFE-A1A6-BD6EB76E3D9A}" type="datetimeFigureOut">
               <a:rPr lang="he-IL" smtClean="0"/>
-              <a:t>כ"ג/חשון/תשפ"ה</a:t>
+              <a:t>כ"ב/חשון/תשפ"ו</a:t>
             </a:fld>
             <a:endParaRPr lang="he-IL"/>
           </a:p>
@@ -4672,7 +4417,7 @@
           <a:p>
             <a:fld id="{02109FA5-8937-4EFE-A1A6-BD6EB76E3D9A}" type="datetimeFigureOut">
               <a:rPr lang="he-IL" smtClean="0"/>
-              <a:t>כ"ג/חשון/תשפ"ה</a:t>
+              <a:t>כ"ב/חשון/תשפ"ו</a:t>
             </a:fld>
             <a:endParaRPr lang="he-IL"/>
           </a:p>
@@ -4915,7 +4660,7 @@
           <a:p>
             <a:fld id="{02109FA5-8937-4EFE-A1A6-BD6EB76E3D9A}" type="datetimeFigureOut">
               <a:rPr lang="he-IL" smtClean="0"/>
-              <a:t>כ"ג/חשון/תשפ"ה</a:t>
+              <a:t>כ"ב/חשון/תשפ"ו</a:t>
             </a:fld>
             <a:endParaRPr lang="he-IL"/>
           </a:p>
@@ -5576,9 +5321,9 @@
                 <a:latin typeface="Miriam Libre"/>
                 <a:cs typeface="Miriam Libre"/>
               </a:rPr>
-              <a:t>Winter 2024/25</a:t>
-            </a:r>
-            <a:endParaRPr lang="he-IL">
+              <a:t>Winter 2025/26</a:t>
+            </a:r>
+            <a:endParaRPr lang="he-IL" dirty="0">
               <a:solidFill>
                 <a:schemeClr val="bg1"/>
               </a:solidFill>
@@ -5818,7 +5563,7 @@
         <p:spPr>
           <a:xfrm>
             <a:off x="392156" y="377839"/>
-            <a:ext cx="11721241" cy="2077492"/>
+            <a:ext cx="11721241" cy="1338828"/>
           </a:xfrm>
           <a:prstGeom prst="rect">
             <a:avLst/>
@@ -5832,52 +5577,22 @@
           <a:lstStyle/>
           <a:p>
             <a:r>
-              <a:rPr lang="en-US" sz="4800" b="1">
-                <a:solidFill>
-                  <a:srgbClr val="E2FE21"/>
-                </a:solidFill>
-                <a:effectLst/>
-                <a:latin typeface="Miriam Libre"/>
-                <a:cs typeface="Miriam Libre"/>
-              </a:rPr>
-              <a:t>Secret of the Polyglot</a:t>
-            </a:r>
-            <a:r>
-              <a:rPr lang="en-US" sz="4800" b="1">
+              <a:rPr lang="en-US" sz="4800" b="1" err="1">
                 <a:solidFill>
                   <a:srgbClr val="E2FE21"/>
                 </a:solidFill>
                 <a:latin typeface="Miriam Libre"/>
                 <a:cs typeface="Miriam Libre"/>
               </a:rPr>
-              <a:t> - </a:t>
-            </a:r>
-            <a:r>
-              <a:rPr lang="en-US" sz="4800">
-                <a:solidFill>
-                  <a:schemeClr val="bg1"/>
-                </a:solidFill>
-                <a:latin typeface="Miriam Libre"/>
-                <a:cs typeface="Miriam Libre"/>
-              </a:rPr>
-              <a:t>Solution</a:t>
-            </a:r>
-            <a:endParaRPr lang="en-US" sz="4800">
-              <a:solidFill>
-                <a:srgbClr val="000000"/>
-              </a:solidFill>
-              <a:latin typeface="Miriam Libre"/>
-              <a:cs typeface="Miriam Libre"/>
-            </a:endParaRPr>
-          </a:p>
-          <a:p>
-            <a:endParaRPr lang="en-US" sz="4800">
+              <a:t>CanYouSee</a:t>
+            </a:r>
+            <a:endParaRPr lang="en-US" sz="4800" err="1">
               <a:solidFill>
                 <a:schemeClr val="bg1"/>
               </a:solidFill>
               <a:effectLst/>
-              <a:latin typeface="Miriam Libre" pitchFamily="2" charset="-79"/>
-              <a:cs typeface="Miriam Libre" pitchFamily="2" charset="-79"/>
+              <a:latin typeface="Miriam Libre"/>
+              <a:cs typeface="Miriam Libre"/>
             </a:endParaRPr>
           </a:p>
           <a:p>
@@ -5969,7 +5684,7 @@
         <p:spPr>
           <a:xfrm>
             <a:off x="483018" y="1440174"/>
-            <a:ext cx="10659948" cy="2154436"/>
+            <a:ext cx="10659948" cy="3600986"/>
           </a:xfrm>
           <a:prstGeom prst="rect">
             <a:avLst/>
@@ -5983,43 +5698,102 @@
           <a:lstStyle/>
           <a:p>
             <a:pPr marL="285750" indent="-285750">
-              <a:buFont typeface="Arial,Sans-Serif"/>
+              <a:buFont typeface="Arial" panose="020B0604020202020204" pitchFamily="34" charset="0"/>
               <a:buChar char="•"/>
             </a:pPr>
             <a:r>
-              <a:rPr lang="en-US" sz="3200">
+              <a:rPr lang="en-US" sz="3200" dirty="0">
+                <a:solidFill>
+                  <a:schemeClr val="bg1"/>
+                </a:solidFill>
+                <a:effectLst/>
+                <a:latin typeface="Miriam Libre" pitchFamily="2" charset="-79"/>
+                <a:cs typeface="Miriam Libre" pitchFamily="2" charset="-79"/>
+              </a:rPr>
+              <a:t>Problem</a:t>
+            </a:r>
+          </a:p>
+          <a:p>
+            <a:pPr marL="742950" lvl="1" indent="-285750">
+              <a:buFont typeface="Arial" panose="020B0604020202020204" pitchFamily="34" charset="0"/>
+              <a:buChar char="•"/>
+            </a:pPr>
+            <a:r>
+              <a:rPr lang="en-US" sz="2800" dirty="0">
                 <a:solidFill>
                   <a:schemeClr val="bg1"/>
                 </a:solidFill>
                 <a:latin typeface="Miriam Libre"/>
-                <a:ea typeface="+mn-lt"/>
                 <a:cs typeface="Miriam Libre"/>
               </a:rPr>
-              <a:t>Examine the File Content</a:t>
-            </a:r>
-          </a:p>
-          <a:p>
-            <a:pPr marL="742950" lvl="1" indent="-285750">
-              <a:buFont typeface="Arial,Sans-Serif"/>
+              <a:t>Connect via ssh and find the flag</a:t>
+            </a:r>
+            <a:endParaRPr lang="en-US" sz="2800" dirty="0">
+              <a:solidFill>
+                <a:schemeClr val="bg1"/>
+              </a:solidFill>
+              <a:latin typeface="Miriam Libre" pitchFamily="2" charset="-79"/>
+              <a:cs typeface="Miriam Libre" pitchFamily="2" charset="-79"/>
+            </a:endParaRPr>
+          </a:p>
+          <a:p>
+            <a:pPr marL="285750" indent="-285750">
+              <a:buFont typeface="Arial" panose="020B0604020202020204" pitchFamily="34" charset="0"/>
               <a:buChar char="•"/>
             </a:pPr>
             <a:r>
-              <a:rPr lang="en-US" sz="2800">
+              <a:rPr lang="en-US" sz="2800" dirty="0">
+                <a:solidFill>
+                  <a:schemeClr val="bg1"/>
+                </a:solidFill>
+                <a:effectLst/>
+                <a:latin typeface="Miriam Libre" pitchFamily="2" charset="-79"/>
+                <a:cs typeface="Miriam Libre" pitchFamily="2" charset="-79"/>
+              </a:rPr>
+              <a:t>Solution</a:t>
+            </a:r>
+          </a:p>
+          <a:p>
+            <a:pPr marL="742950" lvl="1" indent="-285750">
+              <a:buFont typeface="Arial" panose="020B0604020202020204" pitchFamily="34" charset="0"/>
+              <a:buChar char="•"/>
+            </a:pPr>
+            <a:r>
+              <a:rPr lang="en-US" sz="2800" dirty="0">
                 <a:solidFill>
                   <a:schemeClr val="bg1"/>
                 </a:solidFill>
                 <a:latin typeface="Miriam Libre"/>
-                <a:ea typeface="+mn-lt"/>
                 <a:cs typeface="Miriam Libre"/>
               </a:rPr>
-              <a:t>Open the file in a text editor to identify which programming languages are present</a:t>
-            </a:r>
-            <a:endParaRPr lang="en-US" sz="2800">
+              <a:t>Use </a:t>
+            </a:r>
+            <a:r>
+              <a:rPr lang="en-US" sz="2800" dirty="0" err="1">
+                <a:solidFill>
+                  <a:schemeClr val="bg1"/>
+                </a:solidFill>
+                <a:latin typeface="Miriam Libre"/>
+                <a:cs typeface="Miriam Libre"/>
+              </a:rPr>
+              <a:t>exiftool</a:t>
+            </a:r>
+            <a:r>
+              <a:rPr lang="en-US" sz="2800" dirty="0">
+                <a:solidFill>
+                  <a:schemeClr val="bg1"/>
+                </a:solidFill>
+                <a:latin typeface="Miriam Libre"/>
+                <a:cs typeface="Miriam Libre"/>
+              </a:rPr>
+              <a:t> to read meta-data of flag file</a:t>
+            </a:r>
+            <a:endParaRPr lang="en-US" sz="2800" dirty="0">
               <a:solidFill>
                 <a:schemeClr val="bg1"/>
               </a:solidFill>
-              <a:latin typeface="Miriam Libre"/>
-              <a:cs typeface="Miriam Libre"/>
+              <a:latin typeface="Miriam Libre" pitchFamily="2" charset="-79"/>
+              <a:cs typeface="Miriam Libre" pitchFamily="2" charset="-79"/>
             </a:endParaRPr>
           </a:p>
           <a:p>
@@ -6028,68 +5802,87 @@
               <a:buChar char="•"/>
             </a:pPr>
             <a:r>
-              <a:rPr lang="en-US" sz="2800">
+              <a:rPr lang="en-US" sz="2800" dirty="0">
                 <a:solidFill>
                   <a:schemeClr val="bg1"/>
                 </a:solidFill>
                 <a:latin typeface="Miriam Libre"/>
-                <a:ea typeface="+mn-lt"/>
                 <a:cs typeface="Miriam Libre"/>
               </a:rPr>
-              <a:t>Check for the file data and format using the terminal</a:t>
-            </a:r>
-            <a:endParaRPr lang="en-US">
+              <a:t>Decode suspicious field '</a:t>
+            </a:r>
+            <a:r>
+              <a:rPr lang="en-US" sz="2800" dirty="0" err="1">
+                <a:solidFill>
+                  <a:schemeClr val="bg1"/>
+                </a:solidFill>
+                <a:latin typeface="Miriam Libre"/>
+                <a:cs typeface="Miriam Libre"/>
+              </a:rPr>
+              <a:t>AttributionURL</a:t>
+            </a:r>
+            <a:r>
+              <a:rPr lang="en-US" sz="2800" dirty="0">
+                <a:solidFill>
+                  <a:schemeClr val="bg1"/>
+                </a:solidFill>
+                <a:latin typeface="Miriam Libre"/>
+                <a:cs typeface="Miriam Libre"/>
+              </a:rPr>
+              <a:t>' from base64</a:t>
+            </a:r>
+            <a:endParaRPr lang="en-US" sz="2800" dirty="0">
               <a:solidFill>
                 <a:schemeClr val="bg1"/>
               </a:solidFill>
+              <a:effectLst/>
+              <a:latin typeface="Miriam Libre" pitchFamily="2" charset="-79"/>
+              <a:cs typeface="Miriam Libre" pitchFamily="2" charset="-79"/>
             </a:endParaRPr>
           </a:p>
           <a:p>
-            <a:pPr marL="1200150" lvl="2" indent="-285750">
-              <a:buFont typeface="Wingdings" panose="020B0604020202020204" pitchFamily="34" charset="0"/>
-              <a:buChar char="§"/>
+            <a:pPr marL="742950" lvl="1" indent="-285750">
+              <a:buFont typeface="Arial" panose="020B0604020202020204" pitchFamily="34" charset="0"/>
+              <a:buChar char="•"/>
             </a:pPr>
-            <a:endParaRPr lang="en-US">
+            <a:r>
+              <a:rPr lang="en-US" sz="2800" dirty="0">
+                <a:solidFill>
+                  <a:schemeClr val="bg1"/>
+                </a:solidFill>
+                <a:latin typeface="Miriam Libre"/>
+                <a:cs typeface="Miriam Libre"/>
+              </a:rPr>
+              <a:t>How did we know it is base64? The field had the char '=', which is common is base64 encodings. It is worth a try.</a:t>
+            </a:r>
+            <a:endParaRPr lang="en-US" sz="2800" dirty="0">
               <a:solidFill>
                 <a:schemeClr val="bg1"/>
               </a:solidFill>
+              <a:effectLst/>
+              <a:latin typeface="Miriam Libre" pitchFamily="2" charset="-79"/>
+              <a:cs typeface="Miriam Libre" pitchFamily="2" charset="-79"/>
             </a:endParaRPr>
           </a:p>
-        </p:txBody>
-      </p:sp>
-      <p:pic>
-        <p:nvPicPr>
-          <p:cNvPr id="3" name="Picture 2" descr="A black background with white text&#10;&#10;Description automatically generated">
-            <a:extLst>
-              <a:ext uri="{FF2B5EF4-FFF2-40B4-BE49-F238E27FC236}">
-                <a16:creationId xmlns:a16="http://schemas.microsoft.com/office/drawing/2014/main" id="{90C2751C-4E4F-69DE-3B26-CD002DF8851A}"/>
-              </a:ext>
-            </a:extLst>
-          </p:cNvPr>
-          <p:cNvPicPr>
-            <a:picLocks noChangeAspect="1"/>
-          </p:cNvPicPr>
-          <p:nvPr/>
-        </p:nvPicPr>
-        <p:blipFill>
-          <a:blip r:embed="rId5"/>
-          <a:srcRect l="2545" r="-106" b="4348"/>
-          <a:stretch/>
-        </p:blipFill>
-        <p:spPr>
-          <a:xfrm>
-            <a:off x="525723" y="5065912"/>
-            <a:ext cx="11146688" cy="511990"/>
-          </a:xfrm>
-          <a:prstGeom prst="rect">
-            <a:avLst/>
-          </a:prstGeom>
-        </p:spPr>
-      </p:pic>
+          <a:p>
+            <a:pPr marL="742950" lvl="1" indent="-285750">
+              <a:buFont typeface="Arial" panose="020B0604020202020204" pitchFamily="34" charset="0"/>
+              <a:buChar char="•"/>
+            </a:pPr>
+            <a:endParaRPr lang="en-US" sz="2800" dirty="0">
+              <a:solidFill>
+                <a:schemeClr val="bg1"/>
+              </a:solidFill>
+              <a:latin typeface="Miriam Libre" pitchFamily="2" charset="-79"/>
+              <a:cs typeface="Miriam Libre" pitchFamily="2" charset="-79"/>
+            </a:endParaRPr>
+          </a:p>
+        </p:txBody>
+      </p:sp>
     </p:spTree>
     <p:extLst>
       <p:ext uri="{BB962C8B-B14F-4D97-AF65-F5344CB8AC3E}">
-        <p14:creationId xmlns:p14="http://schemas.microsoft.com/office/powerpoint/2010/main" val="4173614842"/>
+        <p14:creationId xmlns:p14="http://schemas.microsoft.com/office/powerpoint/2010/main" val="4242368251"/>
       </p:ext>
     </p:extLst>
   </p:cSld>
@@ -6285,7 +6078,7 @@
         <p:spPr>
           <a:xfrm>
             <a:off x="392156" y="377839"/>
-            <a:ext cx="11721241" cy="2077492"/>
+            <a:ext cx="11721241" cy="1338828"/>
           </a:xfrm>
           <a:prstGeom prst="rect">
             <a:avLst/>
@@ -6298,17 +6091,6 @@
           </a:bodyPr>
           <a:lstStyle/>
           <a:p>
-            <a:r>
-              <a:rPr lang="en-US" sz="4800" b="1">
-                <a:solidFill>
-                  <a:srgbClr val="E2FE21"/>
-                </a:solidFill>
-                <a:effectLst/>
-                <a:latin typeface="Miriam Libre"/>
-                <a:cs typeface="Miriam Libre"/>
-              </a:rPr>
-              <a:t>Secret of the Polyglot</a:t>
-            </a:r>
             <a:r>
               <a:rPr lang="en-US" sz="4800" b="1">
                 <a:solidFill>
@@ -6317,27 +6099,15 @@
                 <a:latin typeface="Miriam Libre"/>
                 <a:cs typeface="Miriam Libre"/>
               </a:rPr>
-              <a:t> - </a:t>
-            </a:r>
-            <a:r>
-              <a:rPr lang="en-US" sz="4800">
-                <a:solidFill>
-                  <a:schemeClr val="bg1"/>
-                </a:solidFill>
-                <a:latin typeface="Miriam Libre"/>
-                <a:cs typeface="Miriam Libre"/>
-              </a:rPr>
-              <a:t>Solution</a:t>
-            </a:r>
-          </a:p>
-          <a:p>
+              <a:t>Local Authority</a:t>
+            </a:r>
             <a:endParaRPr lang="en-US" sz="4800">
               <a:solidFill>
                 <a:schemeClr val="bg1"/>
               </a:solidFill>
               <a:effectLst/>
-              <a:latin typeface="Miriam Libre" pitchFamily="2" charset="-79"/>
-              <a:cs typeface="Miriam Libre" pitchFamily="2" charset="-79"/>
+              <a:latin typeface="Miriam Libre"/>
+              <a:cs typeface="Miriam Libre"/>
             </a:endParaRPr>
           </a:p>
           <a:p>
@@ -6429,7 +6199,7 @@
         <p:spPr>
           <a:xfrm>
             <a:off x="483018" y="1440174"/>
-            <a:ext cx="10659948" cy="3354765"/>
+            <a:ext cx="10659948" cy="2739211"/>
           </a:xfrm>
           <a:prstGeom prst="rect">
             <a:avLst/>
@@ -6443,7 +6213,7 @@
           <a:lstStyle/>
           <a:p>
             <a:pPr marL="285750" indent="-285750">
-              <a:buFont typeface="Arial,Sans-Serif"/>
+              <a:buFont typeface="Arial" panose="020B0604020202020204" pitchFamily="34" charset="0"/>
               <a:buChar char="•"/>
             </a:pPr>
             <a:r>
@@ -6451,68 +6221,18 @@
                 <a:solidFill>
                   <a:schemeClr val="bg1"/>
                 </a:solidFill>
-                <a:latin typeface="Miriam Libre"/>
-                <a:cs typeface="Miriam Libre"/>
+                <a:effectLst/>
+                <a:latin typeface="Miriam Libre" pitchFamily="2" charset="-79"/>
+                <a:cs typeface="Miriam Libre" pitchFamily="2" charset="-79"/>
               </a:rPr>
-              <a:t>Update the format of the file according to meta-data.</a:t>
-            </a:r>
-            <a:endParaRPr lang="en-US" sz="3200">
-              <a:solidFill>
-                <a:schemeClr val="bg1"/>
-              </a:solidFill>
-              <a:latin typeface="Aptos" panose="02110004020202020204"/>
-              <a:ea typeface="+mn-lt"/>
-              <a:cs typeface="Miriam Libre"/>
-            </a:endParaRPr>
-          </a:p>
-          <a:p>
-            <a:pPr marL="285750" indent="-285750">
-              <a:buFont typeface="Arial,Sans-Serif"/>
-              <a:buChar char="•"/>
-            </a:pPr>
-            <a:r>
-              <a:rPr lang="en-US" sz="3200">
-                <a:solidFill>
-                  <a:schemeClr val="bg1"/>
-                </a:solidFill>
-                <a:latin typeface="Miriam Libre"/>
-                <a:ea typeface="+mn-lt"/>
-                <a:cs typeface="Miriam Libre"/>
-              </a:rPr>
-              <a:t>Locate the Flag:</a:t>
-            </a:r>
-            <a:endParaRPr lang="en-US" sz="3200">
-              <a:solidFill>
-                <a:schemeClr val="bg1"/>
-              </a:solidFill>
-            </a:endParaRPr>
+              <a:t>Problem</a:t>
+            </a:r>
           </a:p>
           <a:p>
             <a:pPr marL="742950" lvl="1" indent="-285750">
               <a:buFont typeface="Arial" panose="020B0604020202020204" pitchFamily="34" charset="0"/>
               <a:buChar char="•"/>
             </a:pPr>
-            <a:r>
-              <a:rPr lang="en-US" sz="2800">
-                <a:solidFill>
-                  <a:schemeClr val="bg1"/>
-                </a:solidFill>
-                <a:latin typeface="Miriam Libre"/>
-                <a:ea typeface="+mn-lt"/>
-                <a:cs typeface="Miriam Libre"/>
-              </a:rPr>
-              <a:t>Search for text matching the flag format </a:t>
-            </a:r>
-            <a:r>
-              <a:rPr lang="en-US" sz="2800" err="1">
-                <a:solidFill>
-                  <a:schemeClr val="bg1"/>
-                </a:solidFill>
-                <a:latin typeface="Miriam Libre"/>
-                <a:cs typeface="Miriam Libre"/>
-              </a:rPr>
-              <a:t>picoCTF</a:t>
-            </a:r>
             <a:r>
               <a:rPr lang="en-US" sz="2800">
                 <a:solidFill>
@@ -6521,33 +6241,49 @@
                 <a:latin typeface="Miriam Libre"/>
                 <a:cs typeface="Miriam Libre"/>
               </a:rPr>
-              <a:t>{...}.</a:t>
+              <a:t>Find the flag!</a:t>
             </a:r>
             <a:endParaRPr lang="en-US" sz="2800">
               <a:solidFill>
                 <a:schemeClr val="bg1"/>
               </a:solidFill>
+              <a:latin typeface="Miriam Libre" pitchFamily="2" charset="-79"/>
+              <a:cs typeface="Miriam Libre" pitchFamily="2" charset="-79"/>
             </a:endParaRPr>
+          </a:p>
+          <a:p>
+            <a:pPr marL="285750" indent="-285750">
+              <a:buFont typeface="Arial" panose="020B0604020202020204" pitchFamily="34" charset="0"/>
+              <a:buChar char="•"/>
+            </a:pPr>
+            <a:r>
+              <a:rPr lang="en-US" sz="2800">
+                <a:solidFill>
+                  <a:schemeClr val="bg1"/>
+                </a:solidFill>
+                <a:effectLst/>
+                <a:latin typeface="Miriam Libre" pitchFamily="2" charset="-79"/>
+                <a:cs typeface="Miriam Libre" pitchFamily="2" charset="-79"/>
+              </a:rPr>
+              <a:t>Solution</a:t>
+            </a:r>
           </a:p>
           <a:p>
             <a:pPr marL="742950" lvl="1" indent="-285750">
               <a:buFont typeface="Arial" panose="020B0604020202020204" pitchFamily="34" charset="0"/>
               <a:buChar char="•"/>
             </a:pPr>
+            <a:r>
+              <a:rPr lang="en-US" sz="2800">
+                <a:solidFill>
+                  <a:schemeClr val="bg1"/>
+                </a:solidFill>
+                <a:latin typeface="Miriam Libre"/>
+                <a:cs typeface="Miriam Libre"/>
+              </a:rPr>
+              <a:t>The login check is in the browser, and the credentials are being checked there.</a:t>
+            </a:r>
             <a:endParaRPr lang="en-US" sz="2800">
-              <a:solidFill>
-                <a:schemeClr val="bg1"/>
-              </a:solidFill>
-              <a:latin typeface="Miriam Libre"/>
-              <a:cs typeface="Miriam Libre"/>
-            </a:endParaRPr>
-          </a:p>
-          <a:p>
-            <a:pPr marL="285750" indent="-285750">
-              <a:buFont typeface="Arial" panose="020B0604020202020204" pitchFamily="34" charset="0"/>
-              <a:buChar char="•"/>
-            </a:pPr>
-            <a:endParaRPr lang="en-US" sz="3200">
               <a:solidFill>
                 <a:schemeClr val="bg1"/>
               </a:solidFill>
@@ -6574,10 +6310,10 @@
       </p:sp>
       <p:pic>
         <p:nvPicPr>
-          <p:cNvPr id="3" name="Picture 2" descr="A screenshot of a computer&#10;&#10;Description automatically generated">
-            <a:extLst>
-              <a:ext uri="{FF2B5EF4-FFF2-40B4-BE49-F238E27FC236}">
-                <a16:creationId xmlns:a16="http://schemas.microsoft.com/office/drawing/2014/main" id="{198F276B-03F4-4562-5889-213139C90A00}"/>
+          <p:cNvPr id="2" name="Picture 1" descr="A computer screen with text&#10;&#10;Description automatically generated">
+            <a:extLst>
+              <a:ext uri="{FF2B5EF4-FFF2-40B4-BE49-F238E27FC236}">
+                <a16:creationId xmlns:a16="http://schemas.microsoft.com/office/drawing/2014/main" id="{1108BA3A-2940-A61A-422A-440884561C7D}"/>
               </a:ext>
             </a:extLst>
           </p:cNvPr>
@@ -6594,8 +6330,8 @@
         </p:blipFill>
         <p:spPr>
           <a:xfrm>
-            <a:off x="5406743" y="3646639"/>
-            <a:ext cx="3215667" cy="2414393"/>
+            <a:off x="5400545" y="3894812"/>
+            <a:ext cx="5524500" cy="2095500"/>
           </a:xfrm>
           <a:prstGeom prst="rect">
             <a:avLst/>
@@ -6605,7 +6341,7 @@
     </p:spTree>
     <p:extLst>
       <p:ext uri="{BB962C8B-B14F-4D97-AF65-F5344CB8AC3E}">
-        <p14:creationId xmlns:p14="http://schemas.microsoft.com/office/powerpoint/2010/main" val="3105752112"/>
+        <p14:creationId xmlns:p14="http://schemas.microsoft.com/office/powerpoint/2010/main" val="113454644"/>
       </p:ext>
     </p:extLst>
   </p:cSld>
@@ -6801,7 +6537,7 @@
         <p:spPr>
           <a:xfrm>
             <a:off x="392156" y="377839"/>
-            <a:ext cx="11721241" cy="2077492"/>
+            <a:ext cx="11721241" cy="830997"/>
           </a:xfrm>
           <a:prstGeom prst="rect">
             <a:avLst/>
@@ -6822,31 +6558,11 @@
                 <a:latin typeface="Miriam Libre"/>
                 <a:cs typeface="Miriam Libre"/>
               </a:rPr>
-              <a:t>Binary search</a:t>
+              <a:t>Big Zip</a:t>
             </a:r>
             <a:endParaRPr lang="en-US" sz="4800">
               <a:solidFill>
                 <a:schemeClr val="bg1"/>
-              </a:solidFill>
-              <a:latin typeface="Miriam Libre"/>
-              <a:cs typeface="Miriam Libre"/>
-            </a:endParaRPr>
-          </a:p>
-          <a:p>
-            <a:endParaRPr lang="en-US" sz="4800">
-              <a:solidFill>
-                <a:schemeClr val="bg1"/>
-              </a:solidFill>
-              <a:effectLst/>
-              <a:latin typeface="Miriam Libre" pitchFamily="2" charset="-79"/>
-              <a:cs typeface="Miriam Libre" pitchFamily="2" charset="-79"/>
-            </a:endParaRPr>
-          </a:p>
-          <a:p>
-            <a:pPr algn="l"/>
-            <a:endParaRPr lang="he-IL" sz="3300" b="1">
-              <a:solidFill>
-                <a:srgbClr val="E2FE21"/>
               </a:solidFill>
               <a:effectLst/>
               <a:latin typeface="Miriam Libre" pitchFamily="2" charset="-79"/>
@@ -6931,7 +6647,7 @@
         <p:spPr>
           <a:xfrm>
             <a:off x="483018" y="1440174"/>
-            <a:ext cx="10659948" cy="3600986"/>
+            <a:ext cx="10659948" cy="1323439"/>
           </a:xfrm>
           <a:prstGeom prst="rect">
             <a:avLst/>
@@ -6950,37 +6666,20 @@
             </a:pPr>
             <a:r>
               <a:rPr lang="en-US" sz="3200">
-                <a:solidFill>
-                  <a:schemeClr val="bg1"/>
-                </a:solidFill>
-                <a:effectLst/>
-                <a:latin typeface="Miriam Libre" pitchFamily="2" charset="-79"/>
-                <a:cs typeface="Miriam Libre" pitchFamily="2" charset="-79"/>
-              </a:rPr>
-              <a:t>Problem</a:t>
-            </a:r>
-          </a:p>
-          <a:p>
-            <a:pPr marL="742950" lvl="1" indent="-285750">
-              <a:buFont typeface="Arial" panose="020B0604020202020204" pitchFamily="34" charset="0"/>
-              <a:buChar char="•"/>
-            </a:pPr>
-            <a:r>
-              <a:rPr lang="en-US" sz="2800">
                 <a:solidFill>
                   <a:schemeClr val="bg1"/>
                 </a:solidFill>
                 <a:latin typeface="Miriam Libre"/>
                 <a:cs typeface="Miriam Libre"/>
               </a:rPr>
-              <a:t>Guess the chosen number</a:t>
-            </a:r>
-            <a:endParaRPr lang="en-US" sz="2800">
+              <a:t>Link to a solution – using grep</a:t>
+            </a:r>
+            <a:endParaRPr lang="en-US">
               <a:solidFill>
                 <a:schemeClr val="bg1"/>
               </a:solidFill>
-              <a:latin typeface="Miriam Libre" pitchFamily="2" charset="-79"/>
-              <a:cs typeface="Miriam Libre" pitchFamily="2" charset="-79"/>
+              <a:latin typeface="Aptos" panose="02110004020202020204"/>
+              <a:cs typeface="Miriam Libre"/>
             </a:endParaRPr>
           </a:p>
           <a:p>
@@ -6989,32 +6688,33 @@
               <a:buChar char="•"/>
             </a:pPr>
             <a:r>
-              <a:rPr lang="en-US" sz="2800">
+              <a:rPr lang="en-US" sz="2000">
                 <a:solidFill>
                   <a:schemeClr val="bg1"/>
                 </a:solidFill>
-                <a:effectLst/>
-                <a:latin typeface="Miriam Libre" pitchFamily="2" charset="-79"/>
-                <a:cs typeface="Miriam Libre" pitchFamily="2" charset="-79"/>
+                <a:ea typeface="+mn-lt"/>
+                <a:cs typeface="+mn-lt"/>
+                <a:hlinkClick r:id="rId5">
+                  <a:extLst>
+                    <a:ext uri="{A12FA001-AC4F-418D-AE19-62706E023703}">
+                      <ahyp:hlinkClr xmlns:ahyp="http://schemas.microsoft.com/office/drawing/2018/hyperlinkcolor" val="tx"/>
+                    </a:ext>
+                  </a:extLst>
+                </a:hlinkClick>
               </a:rPr>
-              <a:t>Solution</a:t>
-            </a:r>
+              <a:t>https://medium.com/@technolifts/picoctf-big-zip-walkthrough-general-skills-8b44f37d0990</a:t>
+            </a:r>
+            <a:endParaRPr lang="en-US" sz="2000">
+              <a:solidFill>
+                <a:schemeClr val="bg1"/>
+              </a:solidFill>
+            </a:endParaRPr>
           </a:p>
           <a:p>
             <a:pPr marL="742950" lvl="1" indent="-285750">
               <a:buFont typeface="Arial" panose="020B0604020202020204" pitchFamily="34" charset="0"/>
               <a:buChar char="•"/>
             </a:pPr>
-            <a:r>
-              <a:rPr lang="en-US" sz="2800">
-                <a:solidFill>
-                  <a:schemeClr val="bg1"/>
-                </a:solidFill>
-                <a:latin typeface="Miriam Libre"/>
-                <a:cs typeface="Miriam Libre"/>
-              </a:rPr>
-              <a:t>Connect to the server via ssh</a:t>
-            </a:r>
             <a:endParaRPr lang="en-US" sz="2800">
               <a:solidFill>
                 <a:schemeClr val="bg1"/>
@@ -7024,85 +6724,12 @@
               <a:cs typeface="Miriam Libre" pitchFamily="2" charset="-79"/>
             </a:endParaRPr>
           </a:p>
-          <a:p>
-            <a:pPr marL="742950" lvl="1" indent="-285750">
-              <a:buFont typeface="Arial" panose="020B0604020202020204" pitchFamily="34" charset="0"/>
-              <a:buChar char="•"/>
-            </a:pPr>
-            <a:r>
-              <a:rPr lang="en-US" sz="2800">
-                <a:solidFill>
-                  <a:schemeClr val="bg1"/>
-                </a:solidFill>
-                <a:latin typeface="Miriam Libre"/>
-                <a:cs typeface="Miriam Libre"/>
-              </a:rPr>
-              <a:t>Start guessing numbers using binary search</a:t>
-            </a:r>
-            <a:endParaRPr lang="en-US" sz="2800">
-              <a:solidFill>
-                <a:schemeClr val="bg1"/>
-              </a:solidFill>
-              <a:effectLst/>
-              <a:latin typeface="Miriam Libre" pitchFamily="2" charset="-79"/>
-              <a:cs typeface="Miriam Libre" pitchFamily="2" charset="-79"/>
-            </a:endParaRPr>
-          </a:p>
-          <a:p>
-            <a:pPr marL="742950" lvl="1" indent="-285750">
-              <a:buFont typeface="Arial" panose="020B0604020202020204" pitchFamily="34" charset="0"/>
-              <a:buChar char="•"/>
-            </a:pPr>
-            <a:r>
-              <a:rPr lang="en-US" sz="2800">
-                <a:solidFill>
-                  <a:schemeClr val="bg1"/>
-                </a:solidFill>
-                <a:latin typeface="Miriam Libre"/>
-                <a:cs typeface="Miriam Libre"/>
-              </a:rPr>
-              <a:t>Success!</a:t>
-            </a:r>
-            <a:endParaRPr lang="en-US" sz="2800">
-              <a:solidFill>
-                <a:schemeClr val="bg1"/>
-              </a:solidFill>
-              <a:latin typeface="Miriam Libre" pitchFamily="2" charset="-79"/>
-              <a:cs typeface="Miriam Libre" pitchFamily="2" charset="-79"/>
-            </a:endParaRPr>
-          </a:p>
-          <a:p>
-            <a:pPr marL="742950" lvl="1" indent="-285750">
-              <a:buFont typeface="Arial" panose="020B0604020202020204" pitchFamily="34" charset="0"/>
-              <a:buChar char="•"/>
-            </a:pPr>
-            <a:endParaRPr lang="en-US" sz="2800">
-              <a:solidFill>
-                <a:srgbClr val="FF0000"/>
-              </a:solidFill>
-              <a:latin typeface="Miriam Libre" pitchFamily="2" charset="-79"/>
-              <a:cs typeface="Miriam Libre" pitchFamily="2" charset="-79"/>
-            </a:endParaRPr>
-          </a:p>
-          <a:p>
-            <a:pPr marL="742950" lvl="1" indent="-285750">
-              <a:buFont typeface="Arial" panose="020B0604020202020204" pitchFamily="34" charset="0"/>
-              <a:buChar char="•"/>
-            </a:pPr>
-            <a:endParaRPr lang="en-US" sz="2800">
-              <a:solidFill>
-                <a:schemeClr val="bg1"/>
-              </a:solidFill>
-              <a:latin typeface="Miriam Libre" pitchFamily="2" charset="-79"/>
-              <a:cs typeface="Miriam Libre" pitchFamily="2" charset="-79"/>
-            </a:endParaRPr>
-          </a:p>
         </p:txBody>
       </p:sp>
     </p:spTree>
     <p:extLst>
       <p:ext uri="{BB962C8B-B14F-4D97-AF65-F5344CB8AC3E}">
-        <p14:creationId xmlns:p14="http://schemas.microsoft.com/office/powerpoint/2010/main" val="1425004807"/>
+        <p14:creationId xmlns:p14="http://schemas.microsoft.com/office/powerpoint/2010/main" val="597549082"/>
       </p:ext>
     </p:extLst>
   </p:cSld>
@@ -7312,23 +6939,16 @@
           <a:lstStyle/>
           <a:p>
             <a:r>
-              <a:rPr lang="en-US" sz="4800" b="1" err="1">
+              <a:rPr lang="en-US" sz="4800" b="1">
                 <a:solidFill>
                   <a:srgbClr val="E2FE21"/>
                 </a:solidFill>
                 <a:latin typeface="Miriam Libre"/>
                 <a:cs typeface="Miriam Libre"/>
               </a:rPr>
-              <a:t>CanYouSee</a:t>
-            </a:r>
-            <a:endParaRPr lang="en-US" sz="4800" err="1">
-              <a:solidFill>
-                <a:schemeClr val="bg1"/>
-              </a:solidFill>
-              <a:effectLst/>
-              <a:latin typeface="Miriam Libre"/>
-              <a:cs typeface="Miriam Libre"/>
-            </a:endParaRPr>
+              <a:t>Super SSH</a:t>
+            </a:r>
+            <a:endParaRPr lang="en-US"/>
           </a:p>
           <a:p>
             <a:pPr algn="l"/>
@@ -7419,7 +7039,7 @@
         <p:spPr>
           <a:xfrm>
             <a:off x="483018" y="1440174"/>
-            <a:ext cx="10659948" cy="3600986"/>
+            <a:ext cx="10659948" cy="1323439"/>
           </a:xfrm>
           <a:prstGeom prst="rect">
             <a:avLst/>
@@ -7438,37 +7058,20 @@
             </a:pPr>
             <a:r>
               <a:rPr lang="en-US" sz="3200">
-                <a:solidFill>
-                  <a:schemeClr val="bg1"/>
-                </a:solidFill>
-                <a:effectLst/>
-                <a:latin typeface="Miriam Libre" pitchFamily="2" charset="-79"/>
-                <a:cs typeface="Miriam Libre" pitchFamily="2" charset="-79"/>
-              </a:rPr>
-              <a:t>Problem</a:t>
-            </a:r>
-          </a:p>
-          <a:p>
-            <a:pPr marL="742950" lvl="1" indent="-285750">
-              <a:buFont typeface="Arial" panose="020B0604020202020204" pitchFamily="34" charset="0"/>
-              <a:buChar char="•"/>
-            </a:pPr>
-            <a:r>
-              <a:rPr lang="en-US" sz="2800">
                 <a:solidFill>
                   <a:schemeClr val="bg1"/>
                 </a:solidFill>
                 <a:latin typeface="Miriam Libre"/>
                 <a:cs typeface="Miriam Libre"/>
               </a:rPr>
-              <a:t>Connect via ssh and find the flag</a:t>
-            </a:r>
-            <a:endParaRPr lang="en-US" sz="2800">
+              <a:t>Link to a solution -</a:t>
+            </a:r>
+            <a:endParaRPr lang="en-US">
               <a:solidFill>
                 <a:schemeClr val="bg1"/>
               </a:solidFill>
-              <a:latin typeface="Miriam Libre" pitchFamily="2" charset="-79"/>
-              <a:cs typeface="Miriam Libre" pitchFamily="2" charset="-79"/>
+              <a:latin typeface="Aptos" panose="02110004020202020204"/>
+              <a:cs typeface="Miriam Libre"/>
             </a:endParaRPr>
           </a:p>
           <a:p>
@@ -7477,95 +7080,33 @@
               <a:buChar char="•"/>
             </a:pPr>
             <a:r>
-              <a:rPr lang="en-US" sz="2800">
+              <a:rPr lang="en-US" sz="2000">
                 <a:solidFill>
                   <a:schemeClr val="bg1"/>
                 </a:solidFill>
-                <a:effectLst/>
-                <a:latin typeface="Miriam Libre" pitchFamily="2" charset="-79"/>
-                <a:cs typeface="Miriam Libre" pitchFamily="2" charset="-79"/>
+                <a:ea typeface="+mn-lt"/>
+                <a:cs typeface="+mn-lt"/>
+                <a:hlinkClick r:id="rId5">
+                  <a:extLst>
+                    <a:ext uri="{A12FA001-AC4F-418D-AE19-62706E023703}">
+                      <ahyp:hlinkClr xmlns:ahyp="http://schemas.microsoft.com/office/drawing/2018/hyperlinkcolor" val="tx"/>
+                    </a:ext>
+                  </a:extLst>
+                </a:hlinkClick>
               </a:rPr>
-              <a:t>Solution</a:t>
-            </a:r>
+              <a:t>https://medium.com/@technolifts/picoctf-big-zip-walkthrough-general-skills-8b44f37d0990</a:t>
+            </a:r>
+            <a:endParaRPr lang="en-US" sz="2000">
+              <a:solidFill>
+                <a:schemeClr val="bg1"/>
+              </a:solidFill>
+            </a:endParaRPr>
           </a:p>
           <a:p>
             <a:pPr marL="742950" lvl="1" indent="-285750">
               <a:buFont typeface="Arial" panose="020B0604020202020204" pitchFamily="34" charset="0"/>
               <a:buChar char="•"/>
             </a:pPr>
-            <a:r>
-              <a:rPr lang="en-US" sz="2800">
-                <a:solidFill>
-                  <a:schemeClr val="bg1"/>
-                </a:solidFill>
-                <a:latin typeface="Miriam Libre"/>
-                <a:cs typeface="Miriam Libre"/>
-              </a:rPr>
-              <a:t>Use </a:t>
-            </a:r>
-            <a:r>
-              <a:rPr lang="en-US" sz="2800" err="1">
-                <a:solidFill>
-                  <a:schemeClr val="bg1"/>
-                </a:solidFill>
-                <a:latin typeface="Miriam Libre"/>
-                <a:cs typeface="Miriam Libre"/>
-              </a:rPr>
-              <a:t>exiftool</a:t>
-            </a:r>
-            <a:r>
-              <a:rPr lang="en-US" sz="2800">
-                <a:solidFill>
-                  <a:schemeClr val="bg1"/>
-                </a:solidFill>
-                <a:latin typeface="Miriam Libre"/>
-                <a:cs typeface="Miriam Libre"/>
-              </a:rPr>
-              <a:t> to read meta-data of flag file</a:t>
-            </a:r>
-            <a:endParaRPr lang="en-US" sz="2800">
-              <a:solidFill>
-                <a:schemeClr val="bg1"/>
-              </a:solidFill>
-              <a:latin typeface="Miriam Libre" pitchFamily="2" charset="-79"/>
-              <a:cs typeface="Miriam Libre" pitchFamily="2" charset="-79"/>
-            </a:endParaRPr>
-          </a:p>
-          <a:p>
-            <a:pPr marL="742950" lvl="1" indent="-285750">
-              <a:buFont typeface="Arial" panose="020B0604020202020204" pitchFamily="34" charset="0"/>
-              <a:buChar char="•"/>
-            </a:pPr>
-            <a:r>
-              <a:rPr lang="en-US" sz="2800">
-                <a:solidFill>
-                  <a:schemeClr val="bg1"/>
-                </a:solidFill>
-                <a:latin typeface="Miriam Libre"/>
-                <a:cs typeface="Miriam Libre"/>
-              </a:rPr>
-              <a:t>Decode suspicious field '</a:t>
-            </a:r>
-            <a:r>
-              <a:rPr lang="en-US" sz="2800" err="1">
-                <a:solidFill>
-                  <a:schemeClr val="bg1"/>
-                </a:solidFill>
-                <a:latin typeface="Miriam Libre"/>
-                <a:cs typeface="Miriam Libre"/>
-              </a:rPr>
-              <a:t>AttributionURL</a:t>
-            </a:r>
-            <a:r>
-              <a:rPr lang="en-US" sz="2800">
-                <a:solidFill>
-                  <a:schemeClr val="bg1"/>
-                </a:solidFill>
-                <a:latin typeface="Miriam Libre"/>
-                <a:cs typeface="Miriam Libre"/>
-              </a:rPr>
-              <a:t>' from base64</a:t>
-            </a:r>
             <a:endParaRPr lang="en-US" sz="2800">
               <a:solidFill>
                 <a:schemeClr val="bg1"/>
@@ -7575,49 +7116,12 @@
               <a:cs typeface="Miriam Libre" pitchFamily="2" charset="-79"/>
             </a:endParaRPr>
           </a:p>
-          <a:p>
-            <a:pPr marL="742950" lvl="1" indent="-285750">
-              <a:buFont typeface="Arial" panose="020B0604020202020204" pitchFamily="34" charset="0"/>
-              <a:buChar char="•"/>
-            </a:pPr>
-            <a:r>
-              <a:rPr lang="en-US" sz="2800">
-                <a:solidFill>
-                  <a:schemeClr val="bg1"/>
-                </a:solidFill>
-                <a:latin typeface="Miriam Libre"/>
-                <a:cs typeface="Miriam Libre"/>
-              </a:rPr>
-              <a:t>How did we know it is base64? The field had the char '=', which is common is base64 encodings. It is worth a try.</a:t>
-            </a:r>
-            <a:endParaRPr lang="en-US" sz="2800">
-              <a:solidFill>
-                <a:schemeClr val="bg1"/>
-              </a:solidFill>
-              <a:effectLst/>
-              <a:latin typeface="Miriam Libre" pitchFamily="2" charset="-79"/>
-              <a:cs typeface="Miriam Libre" pitchFamily="2" charset="-79"/>
-            </a:endParaRPr>
-          </a:p>
-          <a:p>
-            <a:pPr marL="742950" lvl="1" indent="-285750">
-              <a:buFont typeface="Arial" panose="020B0604020202020204" pitchFamily="34" charset="0"/>
-              <a:buChar char="•"/>
-            </a:pPr>
-            <a:endParaRPr lang="en-US" sz="2800">
-              <a:solidFill>
-                <a:schemeClr val="bg1"/>
-              </a:solidFill>
-              <a:latin typeface="Miriam Libre" pitchFamily="2" charset="-79"/>
-              <a:cs typeface="Miriam Libre" pitchFamily="2" charset="-79"/>
-            </a:endParaRPr>
-          </a:p>
         </p:txBody>
       </p:sp>
     </p:spTree>
     <p:extLst>
       <p:ext uri="{BB962C8B-B14F-4D97-AF65-F5344CB8AC3E}">
-        <p14:creationId xmlns:p14="http://schemas.microsoft.com/office/powerpoint/2010/main" val="4242368251"/>
+        <p14:creationId xmlns:p14="http://schemas.microsoft.com/office/powerpoint/2010/main" val="461029542"/>
       </p:ext>
     </p:extLst>
   </p:cSld>
@@ -7649,1245 +7153,6 @@
           <p:cNvPr id="5" name="Picture 4">
             <a:extLst>
               <a:ext uri="{FF2B5EF4-FFF2-40B4-BE49-F238E27FC236}">
-                <a16:creationId xmlns:a16="http://schemas.microsoft.com/office/drawing/2014/main" id="{C2FC6D6F-4E9C-868A-98B1-1DA0DDA1F996}"/>
-              </a:ext>
-            </a:extLst>
-          </p:cNvPr>
-          <p:cNvPicPr>
-            <a:picLocks noChangeAspect="1"/>
-          </p:cNvPicPr>
-          <p:nvPr/>
-        </p:nvPicPr>
-        <p:blipFill>
-          <a:blip r:embed="rId3"/>
-          <a:srcRect/>
-          <a:stretch/>
-        </p:blipFill>
-        <p:spPr>
-          <a:xfrm>
-            <a:off x="0" y="0"/>
-            <a:ext cx="12192000" cy="6858000"/>
-          </a:xfrm>
-          <a:prstGeom prst="rect">
-            <a:avLst/>
-          </a:prstGeom>
-        </p:spPr>
-      </p:pic>
-      <p:sp>
-        <p:nvSpPr>
-          <p:cNvPr id="6" name="Rectangle 5">
-            <a:extLst>
-              <a:ext uri="{FF2B5EF4-FFF2-40B4-BE49-F238E27FC236}">
-                <a16:creationId xmlns:a16="http://schemas.microsoft.com/office/drawing/2014/main" id="{3311EF23-F64A-C782-28EA-1A8D297A9F1D}"/>
-              </a:ext>
-            </a:extLst>
-          </p:cNvPr>
-          <p:cNvSpPr/>
-          <p:nvPr/>
-        </p:nvSpPr>
-        <p:spPr>
-          <a:xfrm>
-            <a:off x="1" y="6247180"/>
-            <a:ext cx="12192000" cy="610819"/>
-          </a:xfrm>
-          <a:prstGeom prst="rect">
-            <a:avLst/>
-          </a:prstGeom>
-          <a:solidFill>
-            <a:schemeClr val="tx1">
-              <a:lumMod val="65000"/>
-              <a:lumOff val="35000"/>
-            </a:schemeClr>
-          </a:solidFill>
-          <a:ln>
-            <a:noFill/>
-          </a:ln>
-        </p:spPr>
-        <p:style>
-          <a:lnRef idx="2">
-            <a:schemeClr val="accent1">
-              <a:shade val="15000"/>
-            </a:schemeClr>
-          </a:lnRef>
-          <a:fillRef idx="1">
-            <a:schemeClr val="accent1"/>
-          </a:fillRef>
-          <a:effectRef idx="0">
-            <a:schemeClr val="accent1"/>
-          </a:effectRef>
-          <a:fontRef idx="minor">
-            <a:schemeClr val="lt1"/>
-          </a:fontRef>
-        </p:style>
-        <p:txBody>
-          <a:bodyPr rtlCol="0" anchor="ctr"/>
-          <a:lstStyle/>
-          <a:p>
-            <a:pPr marL="0" algn="ctr" defTabSz="914400" rtl="0" eaLnBrk="1" latinLnBrk="0" hangingPunct="1"/>
-            <a:endParaRPr lang="en-IL"/>
-          </a:p>
-        </p:txBody>
-      </p:sp>
-      <p:cxnSp>
-        <p:nvCxnSpPr>
-          <p:cNvPr id="9" name="Straight Connector 8">
-            <a:extLst>
-              <a:ext uri="{FF2B5EF4-FFF2-40B4-BE49-F238E27FC236}">
-                <a16:creationId xmlns:a16="http://schemas.microsoft.com/office/drawing/2014/main" id="{E480B6B1-9BD0-C14D-6C35-046B181B096E}"/>
-              </a:ext>
-            </a:extLst>
-          </p:cNvPr>
-          <p:cNvCxnSpPr/>
-          <p:nvPr/>
-        </p:nvCxnSpPr>
-        <p:spPr>
-          <a:xfrm>
-            <a:off x="124358" y="1128369"/>
-            <a:ext cx="11923775" cy="80467"/>
-          </a:xfrm>
-          <a:prstGeom prst="line">
-            <a:avLst/>
-          </a:prstGeom>
-          <a:ln>
-            <a:solidFill>
-              <a:srgbClr val="E2FE21"/>
-            </a:solidFill>
-          </a:ln>
-        </p:spPr>
-        <p:style>
-          <a:lnRef idx="1">
-            <a:schemeClr val="accent1"/>
-          </a:lnRef>
-          <a:fillRef idx="0">
-            <a:schemeClr val="accent1"/>
-          </a:fillRef>
-          <a:effectRef idx="0">
-            <a:schemeClr val="accent1"/>
-          </a:effectRef>
-          <a:fontRef idx="minor">
-            <a:schemeClr val="tx1"/>
-          </a:fontRef>
-        </p:style>
-      </p:cxnSp>
-      <p:pic>
-        <p:nvPicPr>
-          <p:cNvPr id="11" name="Picture 10">
-            <a:extLst>
-              <a:ext uri="{FF2B5EF4-FFF2-40B4-BE49-F238E27FC236}">
-                <a16:creationId xmlns:a16="http://schemas.microsoft.com/office/drawing/2014/main" id="{9C0DC1BB-F10B-06AB-68E6-BEC246A4E787}"/>
-              </a:ext>
-            </a:extLst>
-          </p:cNvPr>
-          <p:cNvPicPr>
-            <a:picLocks noChangeAspect="1"/>
-          </p:cNvPicPr>
-          <p:nvPr/>
-        </p:nvPicPr>
-        <p:blipFill>
-          <a:blip r:embed="rId4"/>
-          <a:srcRect/>
-          <a:stretch/>
-        </p:blipFill>
-        <p:spPr>
-          <a:xfrm>
-            <a:off x="8495747" y="6366654"/>
-            <a:ext cx="2989117" cy="243717"/>
-          </a:xfrm>
-          <a:prstGeom prst="rect">
-            <a:avLst/>
-          </a:prstGeom>
-        </p:spPr>
-      </p:pic>
-      <p:sp>
-        <p:nvSpPr>
-          <p:cNvPr id="4" name="TextBox 3">
-            <a:extLst>
-              <a:ext uri="{FF2B5EF4-FFF2-40B4-BE49-F238E27FC236}">
-                <a16:creationId xmlns:a16="http://schemas.microsoft.com/office/drawing/2014/main" id="{A56F6798-CB7E-F967-5BAF-A562F7DB9950}"/>
-              </a:ext>
-            </a:extLst>
-          </p:cNvPr>
-          <p:cNvSpPr txBox="1"/>
-          <p:nvPr/>
-        </p:nvSpPr>
-        <p:spPr>
-          <a:xfrm>
-            <a:off x="392156" y="377839"/>
-            <a:ext cx="11721241" cy="1338828"/>
-          </a:xfrm>
-          <a:prstGeom prst="rect">
-            <a:avLst/>
-          </a:prstGeom>
-          <a:noFill/>
-        </p:spPr>
-        <p:txBody>
-          <a:bodyPr wrap="square" lIns="91440" tIns="45720" rIns="91440" bIns="45720" rtlCol="0" anchor="t">
-            <a:spAutoFit/>
-          </a:bodyPr>
-          <a:lstStyle/>
-          <a:p>
-            <a:r>
-              <a:rPr lang="en-US" sz="4800" b="1">
-                <a:solidFill>
-                  <a:srgbClr val="E2FE21"/>
-                </a:solidFill>
-                <a:latin typeface="Miriam Libre"/>
-                <a:cs typeface="Miriam Libre"/>
-              </a:rPr>
-              <a:t>Local Authority</a:t>
-            </a:r>
-            <a:endParaRPr lang="en-US" sz="4800">
-              <a:solidFill>
-                <a:schemeClr val="bg1"/>
-              </a:solidFill>
-              <a:effectLst/>
-              <a:latin typeface="Miriam Libre"/>
-              <a:cs typeface="Miriam Libre"/>
-            </a:endParaRPr>
-          </a:p>
-          <a:p>
-            <a:pPr algn="l"/>
-            <a:endParaRPr lang="he-IL" sz="3300" b="1">
-              <a:solidFill>
-                <a:srgbClr val="E2FE21"/>
-              </a:solidFill>
-              <a:effectLst/>
-              <a:latin typeface="Miriam Libre" pitchFamily="2" charset="-79"/>
-              <a:cs typeface="Miriam Libre" pitchFamily="2" charset="-79"/>
-            </a:endParaRPr>
-          </a:p>
-        </p:txBody>
-      </p:sp>
-      <p:sp>
-        <p:nvSpPr>
-          <p:cNvPr id="12" name="TextBox 11">
-            <a:extLst>
-              <a:ext uri="{FF2B5EF4-FFF2-40B4-BE49-F238E27FC236}">
-                <a16:creationId xmlns:a16="http://schemas.microsoft.com/office/drawing/2014/main" id="{8DB64316-BED0-E985-D34B-5228710A02F8}"/>
-              </a:ext>
-            </a:extLst>
-          </p:cNvPr>
-          <p:cNvSpPr txBox="1"/>
-          <p:nvPr/>
-        </p:nvSpPr>
-        <p:spPr>
-          <a:xfrm>
-            <a:off x="707135" y="6373039"/>
-            <a:ext cx="6097218" cy="246221"/>
-          </a:xfrm>
-          <a:prstGeom prst="rect">
-            <a:avLst/>
-          </a:prstGeom>
-          <a:noFill/>
-        </p:spPr>
-        <p:txBody>
-          <a:bodyPr wrap="square">
-            <a:spAutoFit/>
-          </a:bodyPr>
-          <a:lstStyle/>
-          <a:p>
-            <a:pPr marL="0" defTabSz="914400" eaLnBrk="1" latinLnBrk="0" hangingPunct="1"/>
-            <a:r>
-              <a:rPr lang="en-US" sz="1000">
-                <a:solidFill>
-                  <a:srgbClr val="E2FE21"/>
-                </a:solidFill>
-                <a:effectLst/>
-                <a:latin typeface="Miriam Libre" pitchFamily="2" charset="-79"/>
-                <a:cs typeface="Miriam Libre" pitchFamily="2" charset="-79"/>
-              </a:rPr>
-              <a:t>03</a:t>
-            </a:r>
-            <a:r>
-              <a:rPr lang="en-US" sz="1000">
-                <a:solidFill>
-                  <a:schemeClr val="bg1"/>
-                </a:solidFill>
-                <a:effectLst/>
-                <a:latin typeface="Miriam Libre" pitchFamily="2" charset="-79"/>
-                <a:cs typeface="Miriam Libre" pitchFamily="2" charset="-79"/>
-              </a:rPr>
-              <a:t>       Introduction</a:t>
-            </a:r>
-            <a:endParaRPr lang="en-IL" sz="1000">
-              <a:solidFill>
-                <a:schemeClr val="bg1"/>
-              </a:solidFill>
-              <a:latin typeface="Miriam Libre" pitchFamily="2" charset="-79"/>
-              <a:cs typeface="Miriam Libre" pitchFamily="2" charset="-79"/>
-            </a:endParaRPr>
-          </a:p>
-        </p:txBody>
-      </p:sp>
-      <p:sp>
-        <p:nvSpPr>
-          <p:cNvPr id="13" name="TextBox 2">
-            <a:extLst>
-              <a:ext uri="{FF2B5EF4-FFF2-40B4-BE49-F238E27FC236}">
-                <a16:creationId xmlns:a16="http://schemas.microsoft.com/office/drawing/2014/main" id="{40349B4E-1659-40C5-8243-EB4DF0FED892}"/>
-              </a:ext>
-            </a:extLst>
-          </p:cNvPr>
-          <p:cNvSpPr txBox="1"/>
-          <p:nvPr/>
-        </p:nvSpPr>
-        <p:spPr>
-          <a:xfrm>
-            <a:off x="483018" y="1440174"/>
-            <a:ext cx="10659948" cy="2739211"/>
-          </a:xfrm>
-          <a:prstGeom prst="rect">
-            <a:avLst/>
-          </a:prstGeom>
-          <a:noFill/>
-        </p:spPr>
-        <p:txBody>
-          <a:bodyPr wrap="square" lIns="91440" tIns="45720" rIns="91440" bIns="45720" rtlCol="0" anchor="t">
-            <a:spAutoFit/>
-          </a:bodyPr>
-          <a:lstStyle/>
-          <a:p>
-            <a:pPr marL="285750" indent="-285750">
-              <a:buFont typeface="Arial" panose="020B0604020202020204" pitchFamily="34" charset="0"/>
-              <a:buChar char="•"/>
-            </a:pPr>
-            <a:r>
-              <a:rPr lang="en-US" sz="3200">
-                <a:solidFill>
-                  <a:schemeClr val="bg1"/>
-                </a:solidFill>
-                <a:effectLst/>
-                <a:latin typeface="Miriam Libre" pitchFamily="2" charset="-79"/>
-                <a:cs typeface="Miriam Libre" pitchFamily="2" charset="-79"/>
-              </a:rPr>
-              <a:t>Problem</a:t>
-            </a:r>
-          </a:p>
-          <a:p>
-            <a:pPr marL="742950" lvl="1" indent="-285750">
-              <a:buFont typeface="Arial" panose="020B0604020202020204" pitchFamily="34" charset="0"/>
-              <a:buChar char="•"/>
-            </a:pPr>
-            <a:r>
-              <a:rPr lang="en-US" sz="2800">
-                <a:solidFill>
-                  <a:schemeClr val="bg1"/>
-                </a:solidFill>
-                <a:latin typeface="Miriam Libre"/>
-                <a:cs typeface="Miriam Libre"/>
-              </a:rPr>
-              <a:t>Find the flag!</a:t>
-            </a:r>
-            <a:endParaRPr lang="en-US" sz="2800">
-              <a:solidFill>
-                <a:schemeClr val="bg1"/>
-              </a:solidFill>
-              <a:latin typeface="Miriam Libre" pitchFamily="2" charset="-79"/>
-              <a:cs typeface="Miriam Libre" pitchFamily="2" charset="-79"/>
-            </a:endParaRPr>
-          </a:p>
-          <a:p>
-            <a:pPr marL="285750" indent="-285750">
-              <a:buFont typeface="Arial" panose="020B0604020202020204" pitchFamily="34" charset="0"/>
-              <a:buChar char="•"/>
-            </a:pPr>
-            <a:r>
-              <a:rPr lang="en-US" sz="2800">
-                <a:solidFill>
-                  <a:schemeClr val="bg1"/>
-                </a:solidFill>
-                <a:effectLst/>
-                <a:latin typeface="Miriam Libre" pitchFamily="2" charset="-79"/>
-                <a:cs typeface="Miriam Libre" pitchFamily="2" charset="-79"/>
-              </a:rPr>
-              <a:t>Solution</a:t>
-            </a:r>
-          </a:p>
-          <a:p>
-            <a:pPr marL="742950" lvl="1" indent="-285750">
-              <a:buFont typeface="Arial" panose="020B0604020202020204" pitchFamily="34" charset="0"/>
-              <a:buChar char="•"/>
-            </a:pPr>
-            <a:r>
-              <a:rPr lang="en-US" sz="2800">
-                <a:solidFill>
-                  <a:schemeClr val="bg1"/>
-                </a:solidFill>
-                <a:latin typeface="Miriam Libre"/>
-                <a:cs typeface="Miriam Libre"/>
-              </a:rPr>
-              <a:t>The login check is in the browser, and the credentials are being checked there.</a:t>
-            </a:r>
-            <a:endParaRPr lang="en-US" sz="2800">
-              <a:solidFill>
-                <a:schemeClr val="bg1"/>
-              </a:solidFill>
-              <a:effectLst/>
-              <a:latin typeface="Miriam Libre" pitchFamily="2" charset="-79"/>
-              <a:cs typeface="Miriam Libre" pitchFamily="2" charset="-79"/>
-            </a:endParaRPr>
-          </a:p>
-          <a:p>
-            <a:pPr marL="742950" lvl="1" indent="-285750">
-              <a:buFont typeface="Arial" panose="020B0604020202020204" pitchFamily="34" charset="0"/>
-              <a:buChar char="•"/>
-            </a:pPr>
-            <a:endParaRPr lang="en-US" sz="2800">
-              <a:solidFill>
-                <a:schemeClr val="bg1"/>
-              </a:solidFill>
-              <a:effectLst/>
-              <a:latin typeface="Miriam Libre" pitchFamily="2" charset="-79"/>
-              <a:cs typeface="Miriam Libre" pitchFamily="2" charset="-79"/>
-            </a:endParaRPr>
-          </a:p>
-        </p:txBody>
-      </p:sp>
-      <p:pic>
-        <p:nvPicPr>
-          <p:cNvPr id="2" name="Picture 1" descr="A computer screen with text&#10;&#10;Description automatically generated">
-            <a:extLst>
-              <a:ext uri="{FF2B5EF4-FFF2-40B4-BE49-F238E27FC236}">
-                <a16:creationId xmlns:a16="http://schemas.microsoft.com/office/drawing/2014/main" id="{1108BA3A-2940-A61A-422A-440884561C7D}"/>
-              </a:ext>
-            </a:extLst>
-          </p:cNvPr>
-          <p:cNvPicPr>
-            <a:picLocks noChangeAspect="1"/>
-          </p:cNvPicPr>
-          <p:nvPr/>
-        </p:nvPicPr>
-        <p:blipFill>
-          <a:blip r:embed="rId5"/>
-          <a:stretch>
-            <a:fillRect/>
-          </a:stretch>
-        </p:blipFill>
-        <p:spPr>
-          <a:xfrm>
-            <a:off x="5400545" y="3894812"/>
-            <a:ext cx="5524500" cy="2095500"/>
-          </a:xfrm>
-          <a:prstGeom prst="rect">
-            <a:avLst/>
-          </a:prstGeom>
-        </p:spPr>
-      </p:pic>
-    </p:spTree>
-    <p:extLst>
-      <p:ext uri="{BB962C8B-B14F-4D97-AF65-F5344CB8AC3E}">
-        <p14:creationId xmlns:p14="http://schemas.microsoft.com/office/powerpoint/2010/main" val="113454644"/>
-      </p:ext>
-    </p:extLst>
-  </p:cSld>
-  <p:clrMapOvr>
-    <a:masterClrMapping/>
-  </p:clrMapOvr>
-</p:sld>
-</file>
-
-<file path=ppt/slides/slide15.xml><?xml version="1.0" encoding="utf-8"?>
-<p:sld xmlns:a="http://schemas.openxmlformats.org/drawingml/2006/main" xmlns:r="http://schemas.openxmlformats.org/officeDocument/2006/relationships" xmlns:p="http://schemas.openxmlformats.org/presentationml/2006/main">
-  <p:cSld>
-    <p:spTree>
-      <p:nvGrpSpPr>
-        <p:cNvPr id="1" name=""/>
-        <p:cNvGrpSpPr/>
-        <p:nvPr/>
-      </p:nvGrpSpPr>
-      <p:grpSpPr>
-        <a:xfrm>
-          <a:off x="0" y="0"/>
-          <a:ext cx="0" cy="0"/>
-          <a:chOff x="0" y="0"/>
-          <a:chExt cx="0" cy="0"/>
-        </a:xfrm>
-      </p:grpSpPr>
-      <p:pic>
-        <p:nvPicPr>
-          <p:cNvPr id="5" name="Picture 4">
-            <a:extLst>
-              <a:ext uri="{FF2B5EF4-FFF2-40B4-BE49-F238E27FC236}">
-                <a16:creationId xmlns:a16="http://schemas.microsoft.com/office/drawing/2014/main" id="{C2FC6D6F-4E9C-868A-98B1-1DA0DDA1F996}"/>
-              </a:ext>
-            </a:extLst>
-          </p:cNvPr>
-          <p:cNvPicPr>
-            <a:picLocks noChangeAspect="1"/>
-          </p:cNvPicPr>
-          <p:nvPr/>
-        </p:nvPicPr>
-        <p:blipFill>
-          <a:blip r:embed="rId3"/>
-          <a:srcRect/>
-          <a:stretch/>
-        </p:blipFill>
-        <p:spPr>
-          <a:xfrm>
-            <a:off x="0" y="0"/>
-            <a:ext cx="12192000" cy="6858000"/>
-          </a:xfrm>
-          <a:prstGeom prst="rect">
-            <a:avLst/>
-          </a:prstGeom>
-        </p:spPr>
-      </p:pic>
-      <p:sp>
-        <p:nvSpPr>
-          <p:cNvPr id="6" name="Rectangle 5">
-            <a:extLst>
-              <a:ext uri="{FF2B5EF4-FFF2-40B4-BE49-F238E27FC236}">
-                <a16:creationId xmlns:a16="http://schemas.microsoft.com/office/drawing/2014/main" id="{3311EF23-F64A-C782-28EA-1A8D297A9F1D}"/>
-              </a:ext>
-            </a:extLst>
-          </p:cNvPr>
-          <p:cNvSpPr/>
-          <p:nvPr/>
-        </p:nvSpPr>
-        <p:spPr>
-          <a:xfrm>
-            <a:off x="1" y="6247180"/>
-            <a:ext cx="12192000" cy="610819"/>
-          </a:xfrm>
-          <a:prstGeom prst="rect">
-            <a:avLst/>
-          </a:prstGeom>
-          <a:solidFill>
-            <a:schemeClr val="tx1">
-              <a:lumMod val="65000"/>
-              <a:lumOff val="35000"/>
-            </a:schemeClr>
-          </a:solidFill>
-          <a:ln>
-            <a:noFill/>
-          </a:ln>
-        </p:spPr>
-        <p:style>
-          <a:lnRef idx="2">
-            <a:schemeClr val="accent1">
-              <a:shade val="15000"/>
-            </a:schemeClr>
-          </a:lnRef>
-          <a:fillRef idx="1">
-            <a:schemeClr val="accent1"/>
-          </a:fillRef>
-          <a:effectRef idx="0">
-            <a:schemeClr val="accent1"/>
-          </a:effectRef>
-          <a:fontRef idx="minor">
-            <a:schemeClr val="lt1"/>
-          </a:fontRef>
-        </p:style>
-        <p:txBody>
-          <a:bodyPr rtlCol="0" anchor="ctr"/>
-          <a:lstStyle/>
-          <a:p>
-            <a:pPr marL="0" algn="ctr" defTabSz="914400" rtl="0" eaLnBrk="1" latinLnBrk="0" hangingPunct="1"/>
-            <a:endParaRPr lang="en-IL"/>
-          </a:p>
-        </p:txBody>
-      </p:sp>
-      <p:cxnSp>
-        <p:nvCxnSpPr>
-          <p:cNvPr id="9" name="Straight Connector 8">
-            <a:extLst>
-              <a:ext uri="{FF2B5EF4-FFF2-40B4-BE49-F238E27FC236}">
-                <a16:creationId xmlns:a16="http://schemas.microsoft.com/office/drawing/2014/main" id="{E480B6B1-9BD0-C14D-6C35-046B181B096E}"/>
-              </a:ext>
-            </a:extLst>
-          </p:cNvPr>
-          <p:cNvCxnSpPr/>
-          <p:nvPr/>
-        </p:nvCxnSpPr>
-        <p:spPr>
-          <a:xfrm>
-            <a:off x="124358" y="1128369"/>
-            <a:ext cx="11923775" cy="80467"/>
-          </a:xfrm>
-          <a:prstGeom prst="line">
-            <a:avLst/>
-          </a:prstGeom>
-          <a:ln>
-            <a:solidFill>
-              <a:srgbClr val="E2FE21"/>
-            </a:solidFill>
-          </a:ln>
-        </p:spPr>
-        <p:style>
-          <a:lnRef idx="1">
-            <a:schemeClr val="accent1"/>
-          </a:lnRef>
-          <a:fillRef idx="0">
-            <a:schemeClr val="accent1"/>
-          </a:fillRef>
-          <a:effectRef idx="0">
-            <a:schemeClr val="accent1"/>
-          </a:effectRef>
-          <a:fontRef idx="minor">
-            <a:schemeClr val="tx1"/>
-          </a:fontRef>
-        </p:style>
-      </p:cxnSp>
-      <p:pic>
-        <p:nvPicPr>
-          <p:cNvPr id="11" name="Picture 10">
-            <a:extLst>
-              <a:ext uri="{FF2B5EF4-FFF2-40B4-BE49-F238E27FC236}">
-                <a16:creationId xmlns:a16="http://schemas.microsoft.com/office/drawing/2014/main" id="{9C0DC1BB-F10B-06AB-68E6-BEC246A4E787}"/>
-              </a:ext>
-            </a:extLst>
-          </p:cNvPr>
-          <p:cNvPicPr>
-            <a:picLocks noChangeAspect="1"/>
-          </p:cNvPicPr>
-          <p:nvPr/>
-        </p:nvPicPr>
-        <p:blipFill>
-          <a:blip r:embed="rId4"/>
-          <a:srcRect/>
-          <a:stretch/>
-        </p:blipFill>
-        <p:spPr>
-          <a:xfrm>
-            <a:off x="8495747" y="6366654"/>
-            <a:ext cx="2989117" cy="243717"/>
-          </a:xfrm>
-          <a:prstGeom prst="rect">
-            <a:avLst/>
-          </a:prstGeom>
-        </p:spPr>
-      </p:pic>
-      <p:sp>
-        <p:nvSpPr>
-          <p:cNvPr id="4" name="TextBox 3">
-            <a:extLst>
-              <a:ext uri="{FF2B5EF4-FFF2-40B4-BE49-F238E27FC236}">
-                <a16:creationId xmlns:a16="http://schemas.microsoft.com/office/drawing/2014/main" id="{A56F6798-CB7E-F967-5BAF-A562F7DB9950}"/>
-              </a:ext>
-            </a:extLst>
-          </p:cNvPr>
-          <p:cNvSpPr txBox="1"/>
-          <p:nvPr/>
-        </p:nvSpPr>
-        <p:spPr>
-          <a:xfrm>
-            <a:off x="392156" y="377839"/>
-            <a:ext cx="11721241" cy="830997"/>
-          </a:xfrm>
-          <a:prstGeom prst="rect">
-            <a:avLst/>
-          </a:prstGeom>
-          <a:noFill/>
-        </p:spPr>
-        <p:txBody>
-          <a:bodyPr wrap="square" lIns="91440" tIns="45720" rIns="91440" bIns="45720" rtlCol="0" anchor="t">
-            <a:spAutoFit/>
-          </a:bodyPr>
-          <a:lstStyle/>
-          <a:p>
-            <a:r>
-              <a:rPr lang="en-US" sz="4800" b="1">
-                <a:solidFill>
-                  <a:srgbClr val="E2FE21"/>
-                </a:solidFill>
-                <a:latin typeface="Miriam Libre"/>
-                <a:cs typeface="Miriam Libre"/>
-              </a:rPr>
-              <a:t>Big Zip</a:t>
-            </a:r>
-            <a:endParaRPr lang="en-US" sz="4800">
-              <a:solidFill>
-                <a:schemeClr val="bg1"/>
-              </a:solidFill>
-              <a:effectLst/>
-              <a:latin typeface="Miriam Libre" pitchFamily="2" charset="-79"/>
-              <a:cs typeface="Miriam Libre" pitchFamily="2" charset="-79"/>
-            </a:endParaRPr>
-          </a:p>
-        </p:txBody>
-      </p:sp>
-      <p:sp>
-        <p:nvSpPr>
-          <p:cNvPr id="12" name="TextBox 11">
-            <a:extLst>
-              <a:ext uri="{FF2B5EF4-FFF2-40B4-BE49-F238E27FC236}">
-                <a16:creationId xmlns:a16="http://schemas.microsoft.com/office/drawing/2014/main" id="{8DB64316-BED0-E985-D34B-5228710A02F8}"/>
-              </a:ext>
-            </a:extLst>
-          </p:cNvPr>
-          <p:cNvSpPr txBox="1"/>
-          <p:nvPr/>
-        </p:nvSpPr>
-        <p:spPr>
-          <a:xfrm>
-            <a:off x="707135" y="6373039"/>
-            <a:ext cx="6097218" cy="246221"/>
-          </a:xfrm>
-          <a:prstGeom prst="rect">
-            <a:avLst/>
-          </a:prstGeom>
-          <a:noFill/>
-        </p:spPr>
-        <p:txBody>
-          <a:bodyPr wrap="square">
-            <a:spAutoFit/>
-          </a:bodyPr>
-          <a:lstStyle/>
-          <a:p>
-            <a:pPr marL="0" defTabSz="914400" eaLnBrk="1" latinLnBrk="0" hangingPunct="1"/>
-            <a:r>
-              <a:rPr lang="en-US" sz="1000">
-                <a:solidFill>
-                  <a:srgbClr val="E2FE21"/>
-                </a:solidFill>
-                <a:effectLst/>
-                <a:latin typeface="Miriam Libre" pitchFamily="2" charset="-79"/>
-                <a:cs typeface="Miriam Libre" pitchFamily="2" charset="-79"/>
-              </a:rPr>
-              <a:t>03</a:t>
-            </a:r>
-            <a:r>
-              <a:rPr lang="en-US" sz="1000">
-                <a:solidFill>
-                  <a:schemeClr val="bg1"/>
-                </a:solidFill>
-                <a:effectLst/>
-                <a:latin typeface="Miriam Libre" pitchFamily="2" charset="-79"/>
-                <a:cs typeface="Miriam Libre" pitchFamily="2" charset="-79"/>
-              </a:rPr>
-              <a:t>       Introduction</a:t>
-            </a:r>
-            <a:endParaRPr lang="en-IL" sz="1000">
-              <a:solidFill>
-                <a:schemeClr val="bg1"/>
-              </a:solidFill>
-              <a:latin typeface="Miriam Libre" pitchFamily="2" charset="-79"/>
-              <a:cs typeface="Miriam Libre" pitchFamily="2" charset="-79"/>
-            </a:endParaRPr>
-          </a:p>
-        </p:txBody>
-      </p:sp>
-      <p:sp>
-        <p:nvSpPr>
-          <p:cNvPr id="13" name="TextBox 2">
-            <a:extLst>
-              <a:ext uri="{FF2B5EF4-FFF2-40B4-BE49-F238E27FC236}">
-                <a16:creationId xmlns:a16="http://schemas.microsoft.com/office/drawing/2014/main" id="{40349B4E-1659-40C5-8243-EB4DF0FED892}"/>
-              </a:ext>
-            </a:extLst>
-          </p:cNvPr>
-          <p:cNvSpPr txBox="1"/>
-          <p:nvPr/>
-        </p:nvSpPr>
-        <p:spPr>
-          <a:xfrm>
-            <a:off x="483018" y="1440174"/>
-            <a:ext cx="10659948" cy="1323439"/>
-          </a:xfrm>
-          <a:prstGeom prst="rect">
-            <a:avLst/>
-          </a:prstGeom>
-          <a:noFill/>
-        </p:spPr>
-        <p:txBody>
-          <a:bodyPr wrap="square" lIns="91440" tIns="45720" rIns="91440" bIns="45720" rtlCol="0" anchor="t">
-            <a:spAutoFit/>
-          </a:bodyPr>
-          <a:lstStyle/>
-          <a:p>
-            <a:pPr marL="285750" indent="-285750">
-              <a:buFont typeface="Arial" panose="020B0604020202020204" pitchFamily="34" charset="0"/>
-              <a:buChar char="•"/>
-            </a:pPr>
-            <a:r>
-              <a:rPr lang="en-US" sz="3200">
-                <a:solidFill>
-                  <a:schemeClr val="bg1"/>
-                </a:solidFill>
-                <a:latin typeface="Miriam Libre"/>
-                <a:cs typeface="Miriam Libre"/>
-              </a:rPr>
-              <a:t>Link to a solution – using grep</a:t>
-            </a:r>
-            <a:endParaRPr lang="en-US">
-              <a:solidFill>
-                <a:schemeClr val="bg1"/>
-              </a:solidFill>
-              <a:latin typeface="Aptos" panose="02110004020202020204"/>
-              <a:cs typeface="Miriam Libre"/>
-            </a:endParaRPr>
-          </a:p>
-          <a:p>
-            <a:pPr marL="285750" indent="-285750">
-              <a:buFont typeface="Arial" panose="020B0604020202020204" pitchFamily="34" charset="0"/>
-              <a:buChar char="•"/>
-            </a:pPr>
-            <a:r>
-              <a:rPr lang="en-US" sz="2000">
-                <a:solidFill>
-                  <a:schemeClr val="bg1"/>
-                </a:solidFill>
-                <a:ea typeface="+mn-lt"/>
-                <a:cs typeface="+mn-lt"/>
-                <a:hlinkClick r:id="rId5">
-                  <a:extLst>
-                    <a:ext uri="{A12FA001-AC4F-418D-AE19-62706E023703}">
-                      <ahyp:hlinkClr xmlns:ahyp="http://schemas.microsoft.com/office/drawing/2018/hyperlinkcolor" val="tx"/>
-                    </a:ext>
-                  </a:extLst>
-                </a:hlinkClick>
-              </a:rPr>
-              <a:t>https://medium.com/@technolifts/picoctf-big-zip-walkthrough-general-skills-8b44f37d0990</a:t>
-            </a:r>
-            <a:endParaRPr lang="en-US" sz="2000">
-              <a:solidFill>
-                <a:schemeClr val="bg1"/>
-              </a:solidFill>
-            </a:endParaRPr>
-          </a:p>
-          <a:p>
-            <a:pPr marL="742950" lvl="1" indent="-285750">
-              <a:buFont typeface="Arial" panose="020B0604020202020204" pitchFamily="34" charset="0"/>
-              <a:buChar char="•"/>
-            </a:pPr>
-            <a:endParaRPr lang="en-US" sz="2800">
-              <a:solidFill>
-                <a:schemeClr val="bg1"/>
-              </a:solidFill>
-              <a:effectLst/>
-              <a:latin typeface="Miriam Libre" pitchFamily="2" charset="-79"/>
-              <a:cs typeface="Miriam Libre" pitchFamily="2" charset="-79"/>
-            </a:endParaRPr>
-          </a:p>
-        </p:txBody>
-      </p:sp>
-    </p:spTree>
-    <p:extLst>
-      <p:ext uri="{BB962C8B-B14F-4D97-AF65-F5344CB8AC3E}">
-        <p14:creationId xmlns:p14="http://schemas.microsoft.com/office/powerpoint/2010/main" val="597549082"/>
-      </p:ext>
-    </p:extLst>
-  </p:cSld>
-  <p:clrMapOvr>
-    <a:masterClrMapping/>
-  </p:clrMapOvr>
-</p:sld>
-</file>
-
-<file path=ppt/slides/slide16.xml><?xml version="1.0" encoding="utf-8"?>
-<p:sld xmlns:a="http://schemas.openxmlformats.org/drawingml/2006/main" xmlns:r="http://schemas.openxmlformats.org/officeDocument/2006/relationships" xmlns:p="http://schemas.openxmlformats.org/presentationml/2006/main">
-  <p:cSld>
-    <p:spTree>
-      <p:nvGrpSpPr>
-        <p:cNvPr id="1" name=""/>
-        <p:cNvGrpSpPr/>
-        <p:nvPr/>
-      </p:nvGrpSpPr>
-      <p:grpSpPr>
-        <a:xfrm>
-          <a:off x="0" y="0"/>
-          <a:ext cx="0" cy="0"/>
-          <a:chOff x="0" y="0"/>
-          <a:chExt cx="0" cy="0"/>
-        </a:xfrm>
-      </p:grpSpPr>
-      <p:pic>
-        <p:nvPicPr>
-          <p:cNvPr id="5" name="Picture 4">
-            <a:extLst>
-              <a:ext uri="{FF2B5EF4-FFF2-40B4-BE49-F238E27FC236}">
-                <a16:creationId xmlns:a16="http://schemas.microsoft.com/office/drawing/2014/main" id="{C2FC6D6F-4E9C-868A-98B1-1DA0DDA1F996}"/>
-              </a:ext>
-            </a:extLst>
-          </p:cNvPr>
-          <p:cNvPicPr>
-            <a:picLocks noChangeAspect="1"/>
-          </p:cNvPicPr>
-          <p:nvPr/>
-        </p:nvPicPr>
-        <p:blipFill>
-          <a:blip r:embed="rId3"/>
-          <a:srcRect/>
-          <a:stretch/>
-        </p:blipFill>
-        <p:spPr>
-          <a:xfrm>
-            <a:off x="0" y="0"/>
-            <a:ext cx="12192000" cy="6858000"/>
-          </a:xfrm>
-          <a:prstGeom prst="rect">
-            <a:avLst/>
-          </a:prstGeom>
-        </p:spPr>
-      </p:pic>
-      <p:sp>
-        <p:nvSpPr>
-          <p:cNvPr id="6" name="Rectangle 5">
-            <a:extLst>
-              <a:ext uri="{FF2B5EF4-FFF2-40B4-BE49-F238E27FC236}">
-                <a16:creationId xmlns:a16="http://schemas.microsoft.com/office/drawing/2014/main" id="{3311EF23-F64A-C782-28EA-1A8D297A9F1D}"/>
-              </a:ext>
-            </a:extLst>
-          </p:cNvPr>
-          <p:cNvSpPr/>
-          <p:nvPr/>
-        </p:nvSpPr>
-        <p:spPr>
-          <a:xfrm>
-            <a:off x="1" y="6247180"/>
-            <a:ext cx="12192000" cy="610819"/>
-          </a:xfrm>
-          <a:prstGeom prst="rect">
-            <a:avLst/>
-          </a:prstGeom>
-          <a:solidFill>
-            <a:schemeClr val="tx1">
-              <a:lumMod val="65000"/>
-              <a:lumOff val="35000"/>
-            </a:schemeClr>
-          </a:solidFill>
-          <a:ln>
-            <a:noFill/>
-          </a:ln>
-        </p:spPr>
-        <p:style>
-          <a:lnRef idx="2">
-            <a:schemeClr val="accent1">
-              <a:shade val="15000"/>
-            </a:schemeClr>
-          </a:lnRef>
-          <a:fillRef idx="1">
-            <a:schemeClr val="accent1"/>
-          </a:fillRef>
-          <a:effectRef idx="0">
-            <a:schemeClr val="accent1"/>
-          </a:effectRef>
-          <a:fontRef idx="minor">
-            <a:schemeClr val="lt1"/>
-          </a:fontRef>
-        </p:style>
-        <p:txBody>
-          <a:bodyPr rtlCol="0" anchor="ctr"/>
-          <a:lstStyle/>
-          <a:p>
-            <a:pPr marL="0" algn="ctr" defTabSz="914400" rtl="0" eaLnBrk="1" latinLnBrk="0" hangingPunct="1"/>
-            <a:endParaRPr lang="en-IL"/>
-          </a:p>
-        </p:txBody>
-      </p:sp>
-      <p:cxnSp>
-        <p:nvCxnSpPr>
-          <p:cNvPr id="9" name="Straight Connector 8">
-            <a:extLst>
-              <a:ext uri="{FF2B5EF4-FFF2-40B4-BE49-F238E27FC236}">
-                <a16:creationId xmlns:a16="http://schemas.microsoft.com/office/drawing/2014/main" id="{E480B6B1-9BD0-C14D-6C35-046B181B096E}"/>
-              </a:ext>
-            </a:extLst>
-          </p:cNvPr>
-          <p:cNvCxnSpPr/>
-          <p:nvPr/>
-        </p:nvCxnSpPr>
-        <p:spPr>
-          <a:xfrm>
-            <a:off x="124358" y="1128369"/>
-            <a:ext cx="11923775" cy="80467"/>
-          </a:xfrm>
-          <a:prstGeom prst="line">
-            <a:avLst/>
-          </a:prstGeom>
-          <a:ln>
-            <a:solidFill>
-              <a:srgbClr val="E2FE21"/>
-            </a:solidFill>
-          </a:ln>
-        </p:spPr>
-        <p:style>
-          <a:lnRef idx="1">
-            <a:schemeClr val="accent1"/>
-          </a:lnRef>
-          <a:fillRef idx="0">
-            <a:schemeClr val="accent1"/>
-          </a:fillRef>
-          <a:effectRef idx="0">
-            <a:schemeClr val="accent1"/>
-          </a:effectRef>
-          <a:fontRef idx="minor">
-            <a:schemeClr val="tx1"/>
-          </a:fontRef>
-        </p:style>
-      </p:cxnSp>
-      <p:pic>
-        <p:nvPicPr>
-          <p:cNvPr id="11" name="Picture 10">
-            <a:extLst>
-              <a:ext uri="{FF2B5EF4-FFF2-40B4-BE49-F238E27FC236}">
-                <a16:creationId xmlns:a16="http://schemas.microsoft.com/office/drawing/2014/main" id="{9C0DC1BB-F10B-06AB-68E6-BEC246A4E787}"/>
-              </a:ext>
-            </a:extLst>
-          </p:cNvPr>
-          <p:cNvPicPr>
-            <a:picLocks noChangeAspect="1"/>
-          </p:cNvPicPr>
-          <p:nvPr/>
-        </p:nvPicPr>
-        <p:blipFill>
-          <a:blip r:embed="rId4"/>
-          <a:srcRect/>
-          <a:stretch/>
-        </p:blipFill>
-        <p:spPr>
-          <a:xfrm>
-            <a:off x="8495747" y="6366654"/>
-            <a:ext cx="2989117" cy="243717"/>
-          </a:xfrm>
-          <a:prstGeom prst="rect">
-            <a:avLst/>
-          </a:prstGeom>
-        </p:spPr>
-      </p:pic>
-      <p:sp>
-        <p:nvSpPr>
-          <p:cNvPr id="4" name="TextBox 3">
-            <a:extLst>
-              <a:ext uri="{FF2B5EF4-FFF2-40B4-BE49-F238E27FC236}">
-                <a16:creationId xmlns:a16="http://schemas.microsoft.com/office/drawing/2014/main" id="{A56F6798-CB7E-F967-5BAF-A562F7DB9950}"/>
-              </a:ext>
-            </a:extLst>
-          </p:cNvPr>
-          <p:cNvSpPr txBox="1"/>
-          <p:nvPr/>
-        </p:nvSpPr>
-        <p:spPr>
-          <a:xfrm>
-            <a:off x="392156" y="377839"/>
-            <a:ext cx="11721241" cy="1338828"/>
-          </a:xfrm>
-          <a:prstGeom prst="rect">
-            <a:avLst/>
-          </a:prstGeom>
-          <a:noFill/>
-        </p:spPr>
-        <p:txBody>
-          <a:bodyPr wrap="square" lIns="91440" tIns="45720" rIns="91440" bIns="45720" rtlCol="0" anchor="t">
-            <a:spAutoFit/>
-          </a:bodyPr>
-          <a:lstStyle/>
-          <a:p>
-            <a:r>
-              <a:rPr lang="en-US" sz="4800" b="1">
-                <a:solidFill>
-                  <a:srgbClr val="E2FE21"/>
-                </a:solidFill>
-                <a:latin typeface="Miriam Libre"/>
-                <a:cs typeface="Miriam Libre"/>
-              </a:rPr>
-              <a:t>Super SSH</a:t>
-            </a:r>
-            <a:endParaRPr lang="en-US"/>
-          </a:p>
-          <a:p>
-            <a:pPr algn="l"/>
-            <a:endParaRPr lang="he-IL" sz="3300" b="1">
-              <a:solidFill>
-                <a:srgbClr val="E2FE21"/>
-              </a:solidFill>
-              <a:effectLst/>
-              <a:latin typeface="Miriam Libre" pitchFamily="2" charset="-79"/>
-              <a:cs typeface="Miriam Libre" pitchFamily="2" charset="-79"/>
-            </a:endParaRPr>
-          </a:p>
-        </p:txBody>
-      </p:sp>
-      <p:sp>
-        <p:nvSpPr>
-          <p:cNvPr id="12" name="TextBox 11">
-            <a:extLst>
-              <a:ext uri="{FF2B5EF4-FFF2-40B4-BE49-F238E27FC236}">
-                <a16:creationId xmlns:a16="http://schemas.microsoft.com/office/drawing/2014/main" id="{8DB64316-BED0-E985-D34B-5228710A02F8}"/>
-              </a:ext>
-            </a:extLst>
-          </p:cNvPr>
-          <p:cNvSpPr txBox="1"/>
-          <p:nvPr/>
-        </p:nvSpPr>
-        <p:spPr>
-          <a:xfrm>
-            <a:off x="707135" y="6373039"/>
-            <a:ext cx="6097218" cy="246221"/>
-          </a:xfrm>
-          <a:prstGeom prst="rect">
-            <a:avLst/>
-          </a:prstGeom>
-          <a:noFill/>
-        </p:spPr>
-        <p:txBody>
-          <a:bodyPr wrap="square">
-            <a:spAutoFit/>
-          </a:bodyPr>
-          <a:lstStyle/>
-          <a:p>
-            <a:pPr marL="0" defTabSz="914400" eaLnBrk="1" latinLnBrk="0" hangingPunct="1"/>
-            <a:r>
-              <a:rPr lang="en-US" sz="1000">
-                <a:solidFill>
-                  <a:srgbClr val="E2FE21"/>
-                </a:solidFill>
-                <a:effectLst/>
-                <a:latin typeface="Miriam Libre" pitchFamily="2" charset="-79"/>
-                <a:cs typeface="Miriam Libre" pitchFamily="2" charset="-79"/>
-              </a:rPr>
-              <a:t>03</a:t>
-            </a:r>
-            <a:r>
-              <a:rPr lang="en-US" sz="1000">
-                <a:solidFill>
-                  <a:schemeClr val="bg1"/>
-                </a:solidFill>
-                <a:effectLst/>
-                <a:latin typeface="Miriam Libre" pitchFamily="2" charset="-79"/>
-                <a:cs typeface="Miriam Libre" pitchFamily="2" charset="-79"/>
-              </a:rPr>
-              <a:t>       Introduction</a:t>
-            </a:r>
-            <a:endParaRPr lang="en-IL" sz="1000">
-              <a:solidFill>
-                <a:schemeClr val="bg1"/>
-              </a:solidFill>
-              <a:latin typeface="Miriam Libre" pitchFamily="2" charset="-79"/>
-              <a:cs typeface="Miriam Libre" pitchFamily="2" charset="-79"/>
-            </a:endParaRPr>
-          </a:p>
-        </p:txBody>
-      </p:sp>
-      <p:sp>
-        <p:nvSpPr>
-          <p:cNvPr id="13" name="TextBox 2">
-            <a:extLst>
-              <a:ext uri="{FF2B5EF4-FFF2-40B4-BE49-F238E27FC236}">
-                <a16:creationId xmlns:a16="http://schemas.microsoft.com/office/drawing/2014/main" id="{40349B4E-1659-40C5-8243-EB4DF0FED892}"/>
-              </a:ext>
-            </a:extLst>
-          </p:cNvPr>
-          <p:cNvSpPr txBox="1"/>
-          <p:nvPr/>
-        </p:nvSpPr>
-        <p:spPr>
-          <a:xfrm>
-            <a:off x="483018" y="1440174"/>
-            <a:ext cx="10659948" cy="1323439"/>
-          </a:xfrm>
-          <a:prstGeom prst="rect">
-            <a:avLst/>
-          </a:prstGeom>
-          <a:noFill/>
-        </p:spPr>
-        <p:txBody>
-          <a:bodyPr wrap="square" lIns="91440" tIns="45720" rIns="91440" bIns="45720" rtlCol="0" anchor="t">
-            <a:spAutoFit/>
-          </a:bodyPr>
-          <a:lstStyle/>
-          <a:p>
-            <a:pPr marL="285750" indent="-285750">
-              <a:buFont typeface="Arial" panose="020B0604020202020204" pitchFamily="34" charset="0"/>
-              <a:buChar char="•"/>
-            </a:pPr>
-            <a:r>
-              <a:rPr lang="en-US" sz="3200">
-                <a:solidFill>
-                  <a:schemeClr val="bg1"/>
-                </a:solidFill>
-                <a:latin typeface="Miriam Libre"/>
-                <a:cs typeface="Miriam Libre"/>
-              </a:rPr>
-              <a:t>Link to a solution -</a:t>
-            </a:r>
-            <a:endParaRPr lang="en-US">
-              <a:solidFill>
-                <a:schemeClr val="bg1"/>
-              </a:solidFill>
-              <a:latin typeface="Aptos" panose="02110004020202020204"/>
-              <a:cs typeface="Miriam Libre"/>
-            </a:endParaRPr>
-          </a:p>
-          <a:p>
-            <a:pPr marL="285750" indent="-285750">
-              <a:buFont typeface="Arial" panose="020B0604020202020204" pitchFamily="34" charset="0"/>
-              <a:buChar char="•"/>
-            </a:pPr>
-            <a:r>
-              <a:rPr lang="en-US" sz="2000">
-                <a:solidFill>
-                  <a:schemeClr val="bg1"/>
-                </a:solidFill>
-                <a:ea typeface="+mn-lt"/>
-                <a:cs typeface="+mn-lt"/>
-                <a:hlinkClick r:id="rId5">
-                  <a:extLst>
-                    <a:ext uri="{A12FA001-AC4F-418D-AE19-62706E023703}">
-                      <ahyp:hlinkClr xmlns:ahyp="http://schemas.microsoft.com/office/drawing/2018/hyperlinkcolor" val="tx"/>
-                    </a:ext>
-                  </a:extLst>
-                </a:hlinkClick>
-              </a:rPr>
-              <a:t>https://medium.com/@technolifts/picoctf-big-zip-walkthrough-general-skills-8b44f37d0990</a:t>
-            </a:r>
-            <a:endParaRPr lang="en-US" sz="2000">
-              <a:solidFill>
-                <a:schemeClr val="bg1"/>
-              </a:solidFill>
-            </a:endParaRPr>
-          </a:p>
-          <a:p>
-            <a:pPr marL="742950" lvl="1" indent="-285750">
-              <a:buFont typeface="Arial" panose="020B0604020202020204" pitchFamily="34" charset="0"/>
-              <a:buChar char="•"/>
-            </a:pPr>
-            <a:endParaRPr lang="en-US" sz="2800">
-              <a:solidFill>
-                <a:schemeClr val="bg1"/>
-              </a:solidFill>
-              <a:effectLst/>
-              <a:latin typeface="Miriam Libre" pitchFamily="2" charset="-79"/>
-              <a:cs typeface="Miriam Libre" pitchFamily="2" charset="-79"/>
-            </a:endParaRPr>
-          </a:p>
-        </p:txBody>
-      </p:sp>
-    </p:spTree>
-    <p:extLst>
-      <p:ext uri="{BB962C8B-B14F-4D97-AF65-F5344CB8AC3E}">
-        <p14:creationId xmlns:p14="http://schemas.microsoft.com/office/powerpoint/2010/main" val="461029542"/>
-      </p:ext>
-    </p:extLst>
-  </p:cSld>
-  <p:clrMapOvr>
-    <a:masterClrMapping/>
-  </p:clrMapOvr>
-</p:sld>
-</file>
-
-<file path=ppt/slides/slide17.xml><?xml version="1.0" encoding="utf-8"?>
-<p:sld xmlns:a="http://schemas.openxmlformats.org/drawingml/2006/main" xmlns:r="http://schemas.openxmlformats.org/officeDocument/2006/relationships" xmlns:p="http://schemas.openxmlformats.org/presentationml/2006/main">
-  <p:cSld>
-    <p:spTree>
-      <p:nvGrpSpPr>
-        <p:cNvPr id="1" name=""/>
-        <p:cNvGrpSpPr/>
-        <p:nvPr/>
-      </p:nvGrpSpPr>
-      <p:grpSpPr>
-        <a:xfrm>
-          <a:off x="0" y="0"/>
-          <a:ext cx="0" cy="0"/>
-          <a:chOff x="0" y="0"/>
-          <a:chExt cx="0" cy="0"/>
-        </a:xfrm>
-      </p:grpSpPr>
-      <p:pic>
-        <p:nvPicPr>
-          <p:cNvPr id="5" name="Picture 4">
-            <a:extLst>
-              <a:ext uri="{FF2B5EF4-FFF2-40B4-BE49-F238E27FC236}">
                 <a16:creationId xmlns:a16="http://schemas.microsoft.com/office/drawing/2014/main" id="{C5B5E059-5994-DBF7-AC04-B767191E9B5D}"/>
               </a:ext>
             </a:extLst>
@@ -9085,7 +7350,7 @@
 </p:sld>
 </file>
 
-<file path=ppt/slides/slide18.xml><?xml version="1.0" encoding="utf-8"?>
+<file path=ppt/slides/slide15.xml><?xml version="1.0" encoding="utf-8"?>
 <p:sld xmlns:a="http://schemas.openxmlformats.org/drawingml/2006/main" xmlns:r="http://schemas.openxmlformats.org/officeDocument/2006/relationships" xmlns:p="http://schemas.openxmlformats.org/presentationml/2006/main">
   <p:cSld>
     <p:spTree>
@@ -9559,7 +7824,7 @@
 </p:sld>
 </file>
 
-<file path=ppt/slides/slide19.xml><?xml version="1.0" encoding="utf-8"?>
+<file path=ppt/slides/slide16.xml><?xml version="1.0" encoding="utf-8"?>
 <p:sld xmlns:a="http://schemas.openxmlformats.org/drawingml/2006/main" xmlns:r="http://schemas.openxmlformats.org/officeDocument/2006/relationships" xmlns:p="http://schemas.openxmlformats.org/presentationml/2006/main">
   <p:cSld>
     <p:spTree>
@@ -10059,6 +8324,219 @@
 </p:sld>
 </file>
 
+<file path=ppt/slides/slide17.xml><?xml version="1.0" encoding="utf-8"?>
+<p:sld xmlns:a="http://schemas.openxmlformats.org/drawingml/2006/main" xmlns:r="http://schemas.openxmlformats.org/officeDocument/2006/relationships" xmlns:p="http://schemas.openxmlformats.org/presentationml/2006/main">
+  <p:cSld>
+    <p:spTree>
+      <p:nvGrpSpPr>
+        <p:cNvPr id="1" name=""/>
+        <p:cNvGrpSpPr/>
+        <p:nvPr/>
+      </p:nvGrpSpPr>
+      <p:grpSpPr>
+        <a:xfrm>
+          <a:off x="0" y="0"/>
+          <a:ext cx="0" cy="0"/>
+          <a:chOff x="0" y="0"/>
+          <a:chExt cx="0" cy="0"/>
+        </a:xfrm>
+      </p:grpSpPr>
+      <p:pic>
+        <p:nvPicPr>
+          <p:cNvPr id="5" name="Picture 4">
+            <a:extLst>
+              <a:ext uri="{FF2B5EF4-FFF2-40B4-BE49-F238E27FC236}">
+                <a16:creationId xmlns:a16="http://schemas.microsoft.com/office/drawing/2014/main" id="{C5B5E059-5994-DBF7-AC04-B767191E9B5D}"/>
+              </a:ext>
+            </a:extLst>
+          </p:cNvPr>
+          <p:cNvPicPr>
+            <a:picLocks noChangeAspect="1"/>
+          </p:cNvPicPr>
+          <p:nvPr/>
+        </p:nvPicPr>
+        <p:blipFill>
+          <a:blip r:embed="rId3"/>
+          <a:stretch>
+            <a:fillRect/>
+          </a:stretch>
+        </p:blipFill>
+        <p:spPr>
+          <a:xfrm>
+            <a:off x="0" y="0"/>
+            <a:ext cx="12192000" cy="6858000"/>
+          </a:xfrm>
+          <a:prstGeom prst="rect">
+            <a:avLst/>
+          </a:prstGeom>
+        </p:spPr>
+      </p:pic>
+      <p:sp>
+        <p:nvSpPr>
+          <p:cNvPr id="10" name="TextBox 9">
+            <a:extLst>
+              <a:ext uri="{FF2B5EF4-FFF2-40B4-BE49-F238E27FC236}">
+                <a16:creationId xmlns:a16="http://schemas.microsoft.com/office/drawing/2014/main" id="{41D002C8-CC40-FE0D-6F22-238967E65159}"/>
+              </a:ext>
+            </a:extLst>
+          </p:cNvPr>
+          <p:cNvSpPr txBox="1"/>
+          <p:nvPr/>
+        </p:nvSpPr>
+        <p:spPr>
+          <a:xfrm>
+            <a:off x="2965094" y="4337270"/>
+            <a:ext cx="6261812" cy="1646605"/>
+          </a:xfrm>
+          <a:prstGeom prst="rect">
+            <a:avLst/>
+          </a:prstGeom>
+          <a:noFill/>
+        </p:spPr>
+        <p:txBody>
+          <a:bodyPr wrap="square" lIns="91440" tIns="45720" rIns="91440" bIns="45720" rtlCol="0" anchor="t">
+            <a:spAutoFit/>
+          </a:bodyPr>
+          <a:lstStyle/>
+          <a:p>
+            <a:pPr algn="ctr">
+              <a:lnSpc>
+                <a:spcPts val="6000"/>
+              </a:lnSpc>
+            </a:pPr>
+            <a:r>
+              <a:rPr lang="en-US" sz="6500" b="1">
+                <a:solidFill>
+                  <a:schemeClr val="bg1"/>
+                </a:solidFill>
+                <a:latin typeface="Miriam Libre"/>
+                <a:cs typeface="Miriam Libre"/>
+              </a:rPr>
+              <a:t>Next Week...</a:t>
+            </a:r>
+          </a:p>
+          <a:p>
+            <a:pPr algn="ctr">
+              <a:lnSpc>
+                <a:spcPts val="6000"/>
+              </a:lnSpc>
+            </a:pPr>
+            <a:r>
+              <a:rPr lang="en-US" sz="4400" b="1">
+                <a:solidFill>
+                  <a:srgbClr val="FFFFFF"/>
+                </a:solidFill>
+                <a:latin typeface="Miriam Libre"/>
+                <a:cs typeface="Miriam Libre"/>
+              </a:rPr>
+              <a:t>web exploitation</a:t>
+            </a:r>
+            <a:endParaRPr lang="en-US"/>
+          </a:p>
+        </p:txBody>
+      </p:sp>
+      <p:pic>
+        <p:nvPicPr>
+          <p:cNvPr id="20" name="Picture 19">
+            <a:extLst>
+              <a:ext uri="{FF2B5EF4-FFF2-40B4-BE49-F238E27FC236}">
+                <a16:creationId xmlns:a16="http://schemas.microsoft.com/office/drawing/2014/main" id="{8D4E373E-2B45-DD01-4EC1-69D14129ED2F}"/>
+              </a:ext>
+            </a:extLst>
+          </p:cNvPr>
+          <p:cNvPicPr>
+            <a:picLocks noChangeAspect="1"/>
+          </p:cNvPicPr>
+          <p:nvPr/>
+        </p:nvPicPr>
+        <p:blipFill>
+          <a:blip r:embed="rId4"/>
+          <a:stretch>
+            <a:fillRect/>
+          </a:stretch>
+        </p:blipFill>
+        <p:spPr>
+          <a:xfrm>
+            <a:off x="-52426" y="6698054"/>
+            <a:ext cx="12296852" cy="166519"/>
+          </a:xfrm>
+          <a:prstGeom prst="rect">
+            <a:avLst/>
+          </a:prstGeom>
+        </p:spPr>
+      </p:pic>
+      <p:pic>
+        <p:nvPicPr>
+          <p:cNvPr id="2" name="Picture 1">
+            <a:extLst>
+              <a:ext uri="{FF2B5EF4-FFF2-40B4-BE49-F238E27FC236}">
+                <a16:creationId xmlns:a16="http://schemas.microsoft.com/office/drawing/2014/main" id="{74EDE1B2-AA06-4838-05EB-AC57A1D6F4EF}"/>
+              </a:ext>
+            </a:extLst>
+          </p:cNvPr>
+          <p:cNvPicPr>
+            <a:picLocks noChangeAspect="1"/>
+          </p:cNvPicPr>
+          <p:nvPr/>
+        </p:nvPicPr>
+        <p:blipFill>
+          <a:blip r:embed="rId5"/>
+          <a:srcRect/>
+          <a:stretch/>
+        </p:blipFill>
+        <p:spPr>
+          <a:xfrm>
+            <a:off x="819301" y="524291"/>
+            <a:ext cx="10585095" cy="520900"/>
+          </a:xfrm>
+          <a:prstGeom prst="rect">
+            <a:avLst/>
+          </a:prstGeom>
+        </p:spPr>
+      </p:pic>
+      <p:pic>
+        <p:nvPicPr>
+          <p:cNvPr id="4" name="Picture 3">
+            <a:extLst>
+              <a:ext uri="{FF2B5EF4-FFF2-40B4-BE49-F238E27FC236}">
+                <a16:creationId xmlns:a16="http://schemas.microsoft.com/office/drawing/2014/main" id="{C9E494CD-45EB-20D5-25E7-31FAD1644ECD}"/>
+              </a:ext>
+            </a:extLst>
+          </p:cNvPr>
+          <p:cNvPicPr>
+            <a:picLocks noChangeAspect="1"/>
+          </p:cNvPicPr>
+          <p:nvPr/>
+        </p:nvPicPr>
+        <p:blipFill>
+          <a:blip r:embed="rId6"/>
+          <a:stretch>
+            <a:fillRect/>
+          </a:stretch>
+        </p:blipFill>
+        <p:spPr>
+          <a:xfrm>
+            <a:off x="5429250" y="2171772"/>
+            <a:ext cx="1333500" cy="1803400"/>
+          </a:xfrm>
+          <a:prstGeom prst="rect">
+            <a:avLst/>
+          </a:prstGeom>
+        </p:spPr>
+      </p:pic>
+    </p:spTree>
+    <p:extLst>
+      <p:ext uri="{BB962C8B-B14F-4D97-AF65-F5344CB8AC3E}">
+        <p14:creationId xmlns:p14="http://schemas.microsoft.com/office/powerpoint/2010/main" val="1646168777"/>
+      </p:ext>
+    </p:extLst>
+  </p:cSld>
+  <p:clrMapOvr>
+    <a:masterClrMapping/>
+  </p:clrMapOvr>
+</p:sld>
+</file>
+
 <file path=ppt/slides/slide2.xml><?xml version="1.0" encoding="utf-8"?>
 <p:sld xmlns:a="http://schemas.openxmlformats.org/drawingml/2006/main" xmlns:r="http://schemas.openxmlformats.org/officeDocument/2006/relationships" xmlns:p="http://schemas.openxmlformats.org/presentationml/2006/main">
   <p:cSld>
@@ -10566,219 +9044,6 @@
     <p:extLst>
       <p:ext uri="{BB962C8B-B14F-4D97-AF65-F5344CB8AC3E}">
         <p14:creationId xmlns:p14="http://schemas.microsoft.com/office/powerpoint/2010/main" val="1524253978"/>
-      </p:ext>
-    </p:extLst>
-  </p:cSld>
-  <p:clrMapOvr>
-    <a:masterClrMapping/>
-  </p:clrMapOvr>
-</p:sld>
-</file>
-
-<file path=ppt/slides/slide20.xml><?xml version="1.0" encoding="utf-8"?>
-<p:sld xmlns:a="http://schemas.openxmlformats.org/drawingml/2006/main" xmlns:r="http://schemas.openxmlformats.org/officeDocument/2006/relationships" xmlns:p="http://schemas.openxmlformats.org/presentationml/2006/main">
-  <p:cSld>
-    <p:spTree>
-      <p:nvGrpSpPr>
-        <p:cNvPr id="1" name=""/>
-        <p:cNvGrpSpPr/>
-        <p:nvPr/>
-      </p:nvGrpSpPr>
-      <p:grpSpPr>
-        <a:xfrm>
-          <a:off x="0" y="0"/>
-          <a:ext cx="0" cy="0"/>
-          <a:chOff x="0" y="0"/>
-          <a:chExt cx="0" cy="0"/>
-        </a:xfrm>
-      </p:grpSpPr>
-      <p:pic>
-        <p:nvPicPr>
-          <p:cNvPr id="5" name="Picture 4">
-            <a:extLst>
-              <a:ext uri="{FF2B5EF4-FFF2-40B4-BE49-F238E27FC236}">
-                <a16:creationId xmlns:a16="http://schemas.microsoft.com/office/drawing/2014/main" id="{C5B5E059-5994-DBF7-AC04-B767191E9B5D}"/>
-              </a:ext>
-            </a:extLst>
-          </p:cNvPr>
-          <p:cNvPicPr>
-            <a:picLocks noChangeAspect="1"/>
-          </p:cNvPicPr>
-          <p:nvPr/>
-        </p:nvPicPr>
-        <p:blipFill>
-          <a:blip r:embed="rId3"/>
-          <a:stretch>
-            <a:fillRect/>
-          </a:stretch>
-        </p:blipFill>
-        <p:spPr>
-          <a:xfrm>
-            <a:off x="0" y="0"/>
-            <a:ext cx="12192000" cy="6858000"/>
-          </a:xfrm>
-          <a:prstGeom prst="rect">
-            <a:avLst/>
-          </a:prstGeom>
-        </p:spPr>
-      </p:pic>
-      <p:sp>
-        <p:nvSpPr>
-          <p:cNvPr id="10" name="TextBox 9">
-            <a:extLst>
-              <a:ext uri="{FF2B5EF4-FFF2-40B4-BE49-F238E27FC236}">
-                <a16:creationId xmlns:a16="http://schemas.microsoft.com/office/drawing/2014/main" id="{41D002C8-CC40-FE0D-6F22-238967E65159}"/>
-              </a:ext>
-            </a:extLst>
-          </p:cNvPr>
-          <p:cNvSpPr txBox="1"/>
-          <p:nvPr/>
-        </p:nvSpPr>
-        <p:spPr>
-          <a:xfrm>
-            <a:off x="2965094" y="4337270"/>
-            <a:ext cx="6261812" cy="1646605"/>
-          </a:xfrm>
-          <a:prstGeom prst="rect">
-            <a:avLst/>
-          </a:prstGeom>
-          <a:noFill/>
-        </p:spPr>
-        <p:txBody>
-          <a:bodyPr wrap="square" lIns="91440" tIns="45720" rIns="91440" bIns="45720" rtlCol="0" anchor="t">
-            <a:spAutoFit/>
-          </a:bodyPr>
-          <a:lstStyle/>
-          <a:p>
-            <a:pPr algn="ctr">
-              <a:lnSpc>
-                <a:spcPts val="6000"/>
-              </a:lnSpc>
-            </a:pPr>
-            <a:r>
-              <a:rPr lang="en-US" sz="6500" b="1">
-                <a:solidFill>
-                  <a:schemeClr val="bg1"/>
-                </a:solidFill>
-                <a:latin typeface="Miriam Libre"/>
-                <a:cs typeface="Miriam Libre"/>
-              </a:rPr>
-              <a:t>Next Week...</a:t>
-            </a:r>
-          </a:p>
-          <a:p>
-            <a:pPr algn="ctr">
-              <a:lnSpc>
-                <a:spcPts val="6000"/>
-              </a:lnSpc>
-            </a:pPr>
-            <a:r>
-              <a:rPr lang="en-US" sz="4400" b="1">
-                <a:solidFill>
-                  <a:srgbClr val="FFFFFF"/>
-                </a:solidFill>
-                <a:latin typeface="Miriam Libre"/>
-                <a:cs typeface="Miriam Libre"/>
-              </a:rPr>
-              <a:t>web exploitation</a:t>
-            </a:r>
-            <a:endParaRPr lang="en-US"/>
-          </a:p>
-        </p:txBody>
-      </p:sp>
-      <p:pic>
-        <p:nvPicPr>
-          <p:cNvPr id="20" name="Picture 19">
-            <a:extLst>
-              <a:ext uri="{FF2B5EF4-FFF2-40B4-BE49-F238E27FC236}">
-                <a16:creationId xmlns:a16="http://schemas.microsoft.com/office/drawing/2014/main" id="{8D4E373E-2B45-DD01-4EC1-69D14129ED2F}"/>
-              </a:ext>
-            </a:extLst>
-          </p:cNvPr>
-          <p:cNvPicPr>
-            <a:picLocks noChangeAspect="1"/>
-          </p:cNvPicPr>
-          <p:nvPr/>
-        </p:nvPicPr>
-        <p:blipFill>
-          <a:blip r:embed="rId4"/>
-          <a:stretch>
-            <a:fillRect/>
-          </a:stretch>
-        </p:blipFill>
-        <p:spPr>
-          <a:xfrm>
-            <a:off x="-52426" y="6698054"/>
-            <a:ext cx="12296852" cy="166519"/>
-          </a:xfrm>
-          <a:prstGeom prst="rect">
-            <a:avLst/>
-          </a:prstGeom>
-        </p:spPr>
-      </p:pic>
-      <p:pic>
-        <p:nvPicPr>
-          <p:cNvPr id="2" name="Picture 1">
-            <a:extLst>
-              <a:ext uri="{FF2B5EF4-FFF2-40B4-BE49-F238E27FC236}">
-                <a16:creationId xmlns:a16="http://schemas.microsoft.com/office/drawing/2014/main" id="{74EDE1B2-AA06-4838-05EB-AC57A1D6F4EF}"/>
-              </a:ext>
-            </a:extLst>
-          </p:cNvPr>
-          <p:cNvPicPr>
-            <a:picLocks noChangeAspect="1"/>
-          </p:cNvPicPr>
-          <p:nvPr/>
-        </p:nvPicPr>
-        <p:blipFill>
-          <a:blip r:embed="rId5"/>
-          <a:srcRect/>
-          <a:stretch/>
-        </p:blipFill>
-        <p:spPr>
-          <a:xfrm>
-            <a:off x="819301" y="524291"/>
-            <a:ext cx="10585095" cy="520900"/>
-          </a:xfrm>
-          <a:prstGeom prst="rect">
-            <a:avLst/>
-          </a:prstGeom>
-        </p:spPr>
-      </p:pic>
-      <p:pic>
-        <p:nvPicPr>
-          <p:cNvPr id="4" name="Picture 3">
-            <a:extLst>
-              <a:ext uri="{FF2B5EF4-FFF2-40B4-BE49-F238E27FC236}">
-                <a16:creationId xmlns:a16="http://schemas.microsoft.com/office/drawing/2014/main" id="{C9E494CD-45EB-20D5-25E7-31FAD1644ECD}"/>
-              </a:ext>
-            </a:extLst>
-          </p:cNvPr>
-          <p:cNvPicPr>
-            <a:picLocks noChangeAspect="1"/>
-          </p:cNvPicPr>
-          <p:nvPr/>
-        </p:nvPicPr>
-        <p:blipFill>
-          <a:blip r:embed="rId6"/>
-          <a:stretch>
-            <a:fillRect/>
-          </a:stretch>
-        </p:blipFill>
-        <p:spPr>
-          <a:xfrm>
-            <a:off x="5429250" y="2171772"/>
-            <a:ext cx="1333500" cy="1803400"/>
-          </a:xfrm>
-          <a:prstGeom prst="rect">
-            <a:avLst/>
-          </a:prstGeom>
-        </p:spPr>
-      </p:pic>
-    </p:spTree>
-    <p:extLst>
-      <p:ext uri="{BB962C8B-B14F-4D97-AF65-F5344CB8AC3E}">
-        <p14:creationId xmlns:p14="http://schemas.microsoft.com/office/powerpoint/2010/main" val="1646168777"/>
       </p:ext>
     </p:extLst>
   </p:cSld>
@@ -11507,49 +9772,16 @@
               <a:buChar char="•"/>
             </a:pPr>
             <a:r>
-              <a:rPr lang="en-US" sz="3200">
-                <a:solidFill>
-                  <a:schemeClr val="bg1"/>
-                </a:solidFill>
-                <a:effectLst/>
-                <a:latin typeface="Miriam Libre"/>
-                <a:cs typeface="Miriam Libre"/>
-              </a:rPr>
-              <a:t>Weekly meetings! </a:t>
-            </a:r>
-            <a:r>
-              <a:rPr lang="en-US" sz="3200" u="sng">
-                <a:solidFill>
-                  <a:schemeClr val="bg1"/>
-                </a:solidFill>
-                <a:effectLst/>
-                <a:latin typeface="Miriam Libre"/>
-                <a:cs typeface="Miriam Libre"/>
-              </a:rPr>
-              <a:t>Every</a:t>
-            </a:r>
-            <a:r>
-              <a:rPr lang="en-US" sz="3200">
-                <a:solidFill>
-                  <a:schemeClr val="bg1"/>
-                </a:solidFill>
-                <a:effectLst/>
-                <a:latin typeface="Miriam Libre"/>
-                <a:cs typeface="Miriam Libre"/>
-              </a:rPr>
-              <a:t> </a:t>
-            </a:r>
-            <a:r>
-              <a:rPr lang="en-US" sz="3200">
+              <a:rPr lang="en-US" sz="3200" dirty="0">
                 <a:solidFill>
                   <a:schemeClr val="bg1"/>
                 </a:solidFill>
                 <a:latin typeface="Miriam Libre"/>
                 <a:cs typeface="Miriam Libre"/>
               </a:rPr>
-              <a:t>Tuesday, 18:30-20:00</a:t>
-            </a:r>
-            <a:endParaRPr lang="en-US" sz="3200">
+              <a:t>Monday, 18:30-20:00</a:t>
+            </a:r>
+            <a:endParaRPr lang="en-US" sz="3200" dirty="0">
               <a:solidFill>
                 <a:schemeClr val="bg1"/>
               </a:solidFill>
@@ -11564,7 +9796,7 @@
               <a:buChar char="•"/>
             </a:pPr>
             <a:r>
-              <a:rPr lang="en-US" sz="3200">
+              <a:rPr lang="en-US" sz="3200" dirty="0">
                 <a:solidFill>
                   <a:schemeClr val="bg1"/>
                 </a:solidFill>
@@ -11579,7 +9811,7 @@
               <a:buFont typeface="Arial" panose="020B0604020202020204" pitchFamily="34" charset="0"/>
               <a:buChar char="•"/>
             </a:pPr>
-            <a:endParaRPr lang="en-US" sz="3200">
+            <a:endParaRPr lang="en-US" sz="3200" dirty="0">
               <a:solidFill>
                 <a:schemeClr val="bg1"/>
               </a:solidFill>
@@ -11593,7 +9825,7 @@
               <a:buChar char="•"/>
             </a:pPr>
             <a:r>
-              <a:rPr lang="en-US" sz="3200">
+              <a:rPr lang="en-US" sz="3200" dirty="0">
                 <a:solidFill>
                   <a:schemeClr val="bg1"/>
                 </a:solidFill>
@@ -11609,7 +9841,7 @@
               <a:buChar char="•"/>
             </a:pPr>
             <a:r>
-              <a:rPr lang="en-US" sz="2800">
+              <a:rPr lang="en-US" sz="2800" dirty="0">
                 <a:solidFill>
                   <a:schemeClr val="bg1"/>
                 </a:solidFill>
@@ -11625,14 +9857,14 @@
               <a:buChar char="•"/>
             </a:pPr>
             <a:r>
-              <a:rPr lang="en-US" sz="2800">
+              <a:rPr lang="en-US" sz="2800" dirty="0">
                 <a:solidFill>
                   <a:schemeClr val="bg1"/>
                 </a:solidFill>
                 <a:latin typeface="Miriam Libre"/>
                 <a:cs typeface="Miriam Libre"/>
               </a:rPr>
-              <a:t>Cryptography</a:t>
+              <a:t>Prompt Injections</a:t>
             </a:r>
           </a:p>
           <a:p>
@@ -11641,7 +9873,7 @@
               <a:buChar char="•"/>
             </a:pPr>
             <a:r>
-              <a:rPr lang="en-US" sz="2800">
+              <a:rPr lang="en-US" sz="2800" dirty="0">
                 <a:solidFill>
                   <a:schemeClr val="bg1"/>
                 </a:solidFill>
@@ -11657,7 +9889,7 @@
               <a:buChar char="•"/>
             </a:pPr>
             <a:r>
-              <a:rPr lang="en-US" sz="2800">
+              <a:rPr lang="en-US" sz="2800" dirty="0">
                 <a:solidFill>
                   <a:schemeClr val="bg1"/>
                 </a:solidFill>
@@ -11667,7 +9899,7 @@
               <a:t>Binary exploitation (</a:t>
             </a:r>
             <a:r>
-              <a:rPr lang="en-US" sz="2800" err="1">
+              <a:rPr lang="en-US" sz="2800" dirty="0" err="1">
                 <a:solidFill>
                   <a:schemeClr val="bg1"/>
                 </a:solidFill>
@@ -11677,7 +9909,7 @@
               <a:t>pwn</a:t>
             </a:r>
             <a:r>
-              <a:rPr lang="en-US" sz="2800">
+              <a:rPr lang="en-US" sz="2800" dirty="0">
                 <a:solidFill>
                   <a:schemeClr val="bg1"/>
                 </a:solidFill>
@@ -11693,7 +9925,7 @@
               <a:buChar char="•"/>
             </a:pPr>
             <a:r>
-              <a:rPr lang="en-US" sz="2800">
+              <a:rPr lang="en-US" sz="2800" dirty="0">
                 <a:solidFill>
                   <a:schemeClr val="bg1"/>
                 </a:solidFill>
@@ -11709,7 +9941,7 @@
               <a:buChar char="•"/>
             </a:pPr>
             <a:r>
-              <a:rPr lang="en-US" sz="2800">
+              <a:rPr lang="en-US" sz="2800" dirty="0">
                 <a:solidFill>
                   <a:schemeClr val="bg1"/>
                 </a:solidFill>
@@ -11718,7 +9950,7 @@
               </a:rPr>
               <a:t>And MORE! </a:t>
             </a:r>
-            <a:endParaRPr lang="en-US" sz="2800">
+            <a:endParaRPr lang="en-US" sz="2800" dirty="0">
               <a:solidFill>
                 <a:schemeClr val="bg1"/>
               </a:solidFill>
@@ -11751,7 +9983,7 @@
         </p:blipFill>
         <p:spPr>
           <a:xfrm>
-            <a:off x="6108422" y="2061192"/>
+            <a:off x="6006254" y="4268289"/>
             <a:ext cx="3524854" cy="1803587"/>
           </a:xfrm>
           <a:prstGeom prst="rect">
@@ -11787,7 +10019,7 @@
         </p:blipFill>
         <p:spPr>
           <a:xfrm>
-            <a:off x="9137569" y="3195516"/>
+            <a:off x="9328825" y="3206084"/>
             <a:ext cx="2806879" cy="3001201"/>
           </a:xfrm>
           <a:prstGeom prst="rect">
@@ -11801,6 +10033,86 @@
           </a:effectLst>
         </p:spPr>
       </p:pic>
+      <p:sp>
+        <p:nvSpPr>
+          <p:cNvPr id="14" name="TextBox 13">
+            <a:extLst>
+              <a:ext uri="{FF2B5EF4-FFF2-40B4-BE49-F238E27FC236}">
+                <a16:creationId xmlns:a16="http://schemas.microsoft.com/office/drawing/2014/main" id="{885F6681-567B-955B-1DB0-6F3B9801ACFC}"/>
+              </a:ext>
+            </a:extLst>
+          </p:cNvPr>
+          <p:cNvSpPr txBox="1"/>
+          <p:nvPr/>
+        </p:nvSpPr>
+        <p:spPr>
+          <a:xfrm>
+            <a:off x="6305662" y="1248731"/>
+            <a:ext cx="4837304" cy="1977464"/>
+          </a:xfrm>
+          <a:prstGeom prst="rect">
+            <a:avLst/>
+          </a:prstGeom>
+          <a:noFill/>
+        </p:spPr>
+        <p:txBody>
+          <a:bodyPr wrap="square">
+            <a:spAutoFit/>
+          </a:bodyPr>
+          <a:lstStyle/>
+          <a:p>
+            <a:pPr>
+              <a:lnSpc>
+                <a:spcPct val="150000"/>
+              </a:lnSpc>
+            </a:pPr>
+            <a:r>
+              <a:rPr lang="en-US" sz="2800" dirty="0">
+                <a:solidFill>
+                  <a:prstClr val="white"/>
+                </a:solidFill>
+                <a:latin typeface="Miriam Libre"/>
+                <a:cs typeface="Miriam Libre"/>
+              </a:rPr>
+              <a:t>10.11		17.11		24.11</a:t>
+            </a:r>
+          </a:p>
+          <a:p>
+            <a:pPr>
+              <a:lnSpc>
+                <a:spcPct val="150000"/>
+              </a:lnSpc>
+            </a:pPr>
+            <a:r>
+              <a:rPr lang="en-US" sz="2800" dirty="0">
+                <a:solidFill>
+                  <a:prstClr val="white"/>
+                </a:solidFill>
+                <a:latin typeface="Miriam Libre"/>
+                <a:cs typeface="Miriam Libre"/>
+              </a:rPr>
+              <a:t>29.12</a:t>
+            </a:r>
+          </a:p>
+          <a:p>
+            <a:pPr>
+              <a:lnSpc>
+                <a:spcPct val="150000"/>
+              </a:lnSpc>
+            </a:pPr>
+            <a:r>
+              <a:rPr lang="en-US" sz="2800" dirty="0">
+                <a:solidFill>
+                  <a:prstClr val="white"/>
+                </a:solidFill>
+                <a:latin typeface="Miriam Libre"/>
+                <a:cs typeface="Miriam Libre"/>
+              </a:rPr>
+              <a:t>  5.1		12.1		26.1</a:t>
+            </a:r>
+          </a:p>
+        </p:txBody>
+      </p:sp>
     </p:spTree>
     <p:extLst>
       <p:ext uri="{BB962C8B-B14F-4D97-AF65-F5344CB8AC3E}">
@@ -12139,9 +10451,29 @@
                 <a:latin typeface="Miriam Libre" pitchFamily="2" charset="-79"/>
                 <a:cs typeface="Miriam Libre" pitchFamily="2" charset="-79"/>
               </a:rPr>
-              <a:t>technionctf.com</a:t>
-            </a:r>
-            <a:endParaRPr lang="en-US" sz="2800">
+              <a:t>technipwn</a:t>
+            </a:r>
+            <a:r>
+              <a:rPr lang="en-US" sz="2800" dirty="0">
+                <a:solidFill>
+                  <a:schemeClr val="bg1"/>
+                </a:solidFill>
+                <a:latin typeface="Miriam Libre" pitchFamily="2" charset="-79"/>
+                <a:cs typeface="Miriam Libre" pitchFamily="2" charset="-79"/>
+              </a:rPr>
+              <a:t>.github</a:t>
+            </a:r>
+            <a:r>
+              <a:rPr lang="en-US" sz="2800">
+                <a:solidFill>
+                  <a:schemeClr val="bg1"/>
+                </a:solidFill>
+                <a:latin typeface="Miriam Libre" pitchFamily="2" charset="-79"/>
+                <a:cs typeface="Miriam Libre" pitchFamily="2" charset="-79"/>
+              </a:rPr>
+              <a:t>.io</a:t>
+            </a:r>
+            <a:endParaRPr lang="en-US" sz="2800" dirty="0">
               <a:solidFill>
                 <a:schemeClr val="bg1"/>
               </a:solidFill>
@@ -12167,10 +10499,15 @@
           <p:nvPr/>
         </p:nvPicPr>
         <p:blipFill>
-          <a:blip r:embed="rId5"/>
-          <a:stretch>
-            <a:fillRect/>
-          </a:stretch>
+          <a:blip r:embed="rId5">
+            <a:extLst>
+              <a:ext uri="{28A0092B-C50C-407E-A947-70E740481C1C}">
+                <a14:useLocalDpi xmlns:a14="http://schemas.microsoft.com/office/drawing/2010/main" val="0"/>
+              </a:ext>
+            </a:extLst>
+          </a:blip>
+          <a:srcRect/>
+          <a:stretch/>
         </p:blipFill>
         <p:spPr>
           <a:xfrm>
@@ -13111,29 +11448,6 @@
               <a:t>Classroom code: </a:t>
             </a:r>
             <a:r>
-              <a:rPr lang="en-US" sz="2800" b="1" i="1" err="1">
-                <a:solidFill>
-                  <a:srgbClr val="FFFFFF"/>
-                </a:solidFill>
-                <a:ea typeface="+mn-lt"/>
-                <a:cs typeface="+mn-lt"/>
-              </a:rPr>
-              <a:t>CyqXSMIoR</a:t>
-            </a:r>
-            <a:endParaRPr lang="en-US" sz="2800" b="1" i="1">
-              <a:solidFill>
-                <a:srgbClr val="FFFFFF"/>
-              </a:solidFill>
-              <a:ea typeface="+mn-lt"/>
-              <a:cs typeface="+mn-lt"/>
-            </a:endParaRPr>
-          </a:p>
-          <a:p>
-            <a:pPr marL="742950" lvl="1" indent="-285750">
-              <a:buFont typeface="Arial" panose="020B0604020202020204" pitchFamily="34" charset="0"/>
-              <a:buChar char="•"/>
-            </a:pPr>
-            <a:r>
               <a:rPr lang="en-US" sz="2800" b="1" i="1" dirty="0">
                 <a:solidFill>
                   <a:srgbClr val="FFFFFF"/>
@@ -13141,7 +11455,23 @@
                 <a:ea typeface="+mn-lt"/>
                 <a:cs typeface="+mn-lt"/>
               </a:rPr>
-              <a:t>Press on 'Practice' -&gt; 'Assignments' -&gt; 'Week 1'</a:t>
+              <a:t>CkQ35rpOI</a:t>
+            </a:r>
+          </a:p>
+          <a:p>
+            <a:pPr marL="742950" lvl="1" indent="-285750">
+              <a:buFont typeface="Arial" panose="020B0604020202020204" pitchFamily="34" charset="0"/>
+              <a:buChar char="•"/>
+            </a:pPr>
+            <a:r>
+              <a:rPr lang="en-US" sz="2800" b="1" i="1" dirty="0">
+                <a:solidFill>
+                  <a:srgbClr val="FFFFFF"/>
+                </a:solidFill>
+                <a:ea typeface="+mn-lt"/>
+                <a:cs typeface="+mn-lt"/>
+              </a:rPr>
+              <a:t>Press on 'Practice' -&gt; 'Assignments' -&gt; ‘Introduction'</a:t>
             </a:r>
           </a:p>
           <a:p>
@@ -13456,7 +11786,7 @@
         <p:spPr>
           <a:xfrm>
             <a:off x="392156" y="377839"/>
-            <a:ext cx="11721241" cy="1338828"/>
+            <a:ext cx="11721241" cy="2077492"/>
           </a:xfrm>
           <a:prstGeom prst="rect">
             <a:avLst/>
@@ -13477,24 +11807,24 @@
                 <a:latin typeface="Miriam Libre"/>
                 <a:cs typeface="Miriam Libre"/>
               </a:rPr>
-              <a:t>Secret of the Polyglot - </a:t>
-            </a:r>
-            <a:r>
-              <a:rPr lang="en-US" sz="4800">
-                <a:solidFill>
-                  <a:schemeClr val="bg1"/>
-                </a:solidFill>
-                <a:latin typeface="Miriam Libre"/>
-                <a:cs typeface="Miriam Libre"/>
-              </a:rPr>
-              <a:t>Problem</a:t>
-            </a:r>
-            <a:endParaRPr lang="en-US">
+              <a:t>Binary search</a:t>
+            </a:r>
+            <a:endParaRPr lang="en-US" sz="4800">
               <a:solidFill>
                 <a:schemeClr val="bg1"/>
               </a:solidFill>
-              <a:latin typeface="Aptos"/>
+              <a:latin typeface="Miriam Libre"/>
               <a:cs typeface="Miriam Libre"/>
+            </a:endParaRPr>
+          </a:p>
+          <a:p>
+            <a:endParaRPr lang="en-US" sz="4800">
+              <a:solidFill>
+                <a:schemeClr val="bg1"/>
+              </a:solidFill>
+              <a:effectLst/>
+              <a:latin typeface="Miriam Libre" pitchFamily="2" charset="-79"/>
+              <a:cs typeface="Miriam Libre" pitchFamily="2" charset="-79"/>
             </a:endParaRPr>
           </a:p>
           <a:p>
@@ -13586,7 +11916,7 @@
         <p:spPr>
           <a:xfrm>
             <a:off x="483018" y="1440174"/>
-            <a:ext cx="10659948" cy="4031873"/>
+            <a:ext cx="10659948" cy="3600986"/>
           </a:xfrm>
           <a:prstGeom prst="rect">
             <a:avLst/>
@@ -13604,24 +11934,56 @@
               <a:buChar char="•"/>
             </a:pPr>
             <a:r>
-              <a:rPr lang="en-US" sz="3200">
+              <a:rPr lang="en-US" sz="3200" dirty="0">
+                <a:solidFill>
+                  <a:schemeClr val="bg1"/>
+                </a:solidFill>
+                <a:effectLst/>
+                <a:latin typeface="Miriam Libre" pitchFamily="2" charset="-79"/>
+                <a:cs typeface="Miriam Libre" pitchFamily="2" charset="-79"/>
+              </a:rPr>
+              <a:t>Problem </a:t>
+            </a:r>
+          </a:p>
+          <a:p>
+            <a:pPr marL="742950" lvl="1" indent="-285750">
+              <a:buFont typeface="Arial" panose="020B0604020202020204" pitchFamily="34" charset="0"/>
+              <a:buChar char="•"/>
+            </a:pPr>
+            <a:r>
+              <a:rPr lang="en-US" sz="2800" dirty="0">
                 <a:solidFill>
                   <a:schemeClr val="bg1"/>
                 </a:solidFill>
                 <a:latin typeface="Miriam Libre"/>
-                <a:ea typeface="+mn-lt"/>
                 <a:cs typeface="Miriam Libre"/>
               </a:rPr>
-              <a:t>You are presented with a file that functions as a polyglot</a:t>
-            </a:r>
-            <a:endParaRPr lang="en-US" sz="3200">
+              <a:t>Guess the chosen number</a:t>
+            </a:r>
+            <a:endParaRPr lang="en-US" sz="2800" dirty="0">
               <a:solidFill>
                 <a:schemeClr val="bg1"/>
               </a:solidFill>
-              <a:latin typeface="Aptos" panose="02110004020202020204"/>
-              <a:ea typeface="+mn-lt"/>
-              <a:cs typeface="Miriam Libre"/>
+              <a:latin typeface="Miriam Libre" pitchFamily="2" charset="-79"/>
+              <a:cs typeface="Miriam Libre" pitchFamily="2" charset="-79"/>
             </a:endParaRPr>
+          </a:p>
+          <a:p>
+            <a:pPr marL="285750" indent="-285750">
+              <a:buFont typeface="Arial" panose="020B0604020202020204" pitchFamily="34" charset="0"/>
+              <a:buChar char="•"/>
+            </a:pPr>
+            <a:r>
+              <a:rPr lang="en-US" sz="2800" dirty="0">
+                <a:solidFill>
+                  <a:schemeClr val="bg1"/>
+                </a:solidFill>
+                <a:effectLst/>
+                <a:latin typeface="Miriam Libre" pitchFamily="2" charset="-79"/>
+                <a:cs typeface="Miriam Libre" pitchFamily="2" charset="-79"/>
+              </a:rPr>
+              <a:t>Solution</a:t>
+            </a:r>
           </a:p>
           <a:p>
             <a:pPr marL="742950" lvl="1" indent="-285750">
@@ -13629,58 +11991,46 @@
               <a:buChar char="•"/>
             </a:pPr>
             <a:r>
-              <a:rPr lang="en-US" sz="2800">
+              <a:rPr lang="en-US" sz="2800" dirty="0">
                 <a:solidFill>
                   <a:schemeClr val="bg1"/>
                 </a:solidFill>
                 <a:latin typeface="Miriam Libre"/>
-                <a:ea typeface="+mn-lt"/>
                 <a:cs typeface="Miriam Libre"/>
               </a:rPr>
-              <a:t>Meaning it is designed to be interpreted by multiple programming languages</a:t>
-            </a:r>
-            <a:endParaRPr lang="en-US" sz="2800">
+              <a:t>Connect to the server via ssh</a:t>
+            </a:r>
+            <a:endParaRPr lang="en-US" sz="2800" dirty="0">
               <a:solidFill>
                 <a:schemeClr val="bg1"/>
               </a:solidFill>
-              <a:latin typeface="Aptos" panose="02110004020202020204"/>
-              <a:ea typeface="+mn-lt"/>
-              <a:cs typeface="Miriam Libre"/>
+              <a:effectLst/>
+              <a:latin typeface="Miriam Libre" pitchFamily="2" charset="-79"/>
+              <a:cs typeface="Miriam Libre" pitchFamily="2" charset="-79"/>
             </a:endParaRPr>
           </a:p>
           <a:p>
-            <a:pPr marL="285750" indent="-285750">
+            <a:pPr marL="742950" lvl="1" indent="-285750">
               <a:buFont typeface="Arial" panose="020B0604020202020204" pitchFamily="34" charset="0"/>
               <a:buChar char="•"/>
             </a:pPr>
             <a:r>
-              <a:rPr lang="en-US" sz="3200">
+              <a:rPr lang="en-US" sz="2800" dirty="0">
                 <a:solidFill>
                   <a:schemeClr val="bg1"/>
                 </a:solidFill>
                 <a:latin typeface="Miriam Libre"/>
-                <a:ea typeface="+mn-lt"/>
                 <a:cs typeface="Miriam Libre"/>
               </a:rPr>
-              <a:t>The challenge is to analyze this file and extract the hidden flag embedded within it</a:t>
-            </a:r>
-            <a:endParaRPr lang="en-US" sz="3200">
+              <a:t>Start guessing numbers using binary search</a:t>
+            </a:r>
+            <a:endParaRPr lang="en-US" sz="2800" dirty="0">
               <a:solidFill>
                 <a:schemeClr val="bg1"/>
               </a:solidFill>
-            </a:endParaRPr>
-          </a:p>
-          <a:p>
-            <a:pPr marL="742950" indent="-285750">
-              <a:buFont typeface="Arial" panose="020B0604020202020204" pitchFamily="34" charset="0"/>
-              <a:buChar char="•"/>
-            </a:pPr>
-            <a:endParaRPr lang="en-US" sz="3200">
-              <a:solidFill>
-                <a:schemeClr val="bg1"/>
-              </a:solidFill>
-              <a:latin typeface="Miriam Libre"/>
-              <a:cs typeface="Miriam Libre"/>
+              <a:effectLst/>
+              <a:latin typeface="Miriam Libre" pitchFamily="2" charset="-79"/>
+              <a:cs typeface="Miriam Libre" pitchFamily="2" charset="-79"/>
             </a:endParaRPr>
           </a:p>
           <a:p>
@@ -13688,49 +12038,56 @@
               <a:buFont typeface="Arial" panose="020B0604020202020204" pitchFamily="34" charset="0"/>
               <a:buChar char="•"/>
             </a:pPr>
-            <a:endParaRPr lang="en-US" sz="3200">
+            <a:r>
+              <a:rPr lang="en-US" sz="2800" dirty="0">
+                <a:solidFill>
+                  <a:schemeClr val="bg1"/>
+                </a:solidFill>
+                <a:latin typeface="Miriam Libre"/>
+                <a:cs typeface="Miriam Libre"/>
+              </a:rPr>
+              <a:t>Success!</a:t>
+            </a:r>
+            <a:endParaRPr lang="en-US" sz="2800" dirty="0">
               <a:solidFill>
-                <a:srgbClr val="FFFFFF"/>
+                <a:schemeClr val="bg1"/>
               </a:solidFill>
               <a:latin typeface="Miriam Libre" pitchFamily="2" charset="-79"/>
               <a:cs typeface="Miriam Libre" pitchFamily="2" charset="-79"/>
             </a:endParaRPr>
           </a:p>
-        </p:txBody>
-      </p:sp>
-      <p:pic>
-        <p:nvPicPr>
-          <p:cNvPr id="2" name="Picture 1" descr="A screenshot of a computer&#10;&#10;Description automatically generated">
-            <a:extLst>
-              <a:ext uri="{FF2B5EF4-FFF2-40B4-BE49-F238E27FC236}">
-                <a16:creationId xmlns:a16="http://schemas.microsoft.com/office/drawing/2014/main" id="{A3C171F2-4BAC-C84E-EA11-87F2EE5EC174}"/>
-              </a:ext>
-            </a:extLst>
-          </p:cNvPr>
-          <p:cNvPicPr>
-            <a:picLocks noChangeAspect="1"/>
-          </p:cNvPicPr>
-          <p:nvPr/>
-        </p:nvPicPr>
-        <p:blipFill>
-          <a:blip r:embed="rId5"/>
-          <a:srcRect l="29917" t="47826" r="31357" b="7115"/>
-          <a:stretch/>
-        </p:blipFill>
-        <p:spPr>
-          <a:xfrm>
-            <a:off x="8261185" y="4045391"/>
-            <a:ext cx="3796017" cy="2069721"/>
-          </a:xfrm>
-          <a:prstGeom prst="rect">
-            <a:avLst/>
-          </a:prstGeom>
-        </p:spPr>
-      </p:pic>
+          <a:p>
+            <a:pPr marL="742950" lvl="1" indent="-285750">
+              <a:buFont typeface="Arial" panose="020B0604020202020204" pitchFamily="34" charset="0"/>
+              <a:buChar char="•"/>
+            </a:pPr>
+            <a:endParaRPr lang="en-US" sz="2800" dirty="0">
+              <a:solidFill>
+                <a:srgbClr val="FF0000"/>
+              </a:solidFill>
+              <a:latin typeface="Miriam Libre" pitchFamily="2" charset="-79"/>
+              <a:cs typeface="Miriam Libre" pitchFamily="2" charset="-79"/>
+            </a:endParaRPr>
+          </a:p>
+          <a:p>
+            <a:pPr marL="742950" lvl="1" indent="-285750">
+              <a:buFont typeface="Arial" panose="020B0604020202020204" pitchFamily="34" charset="0"/>
+              <a:buChar char="•"/>
+            </a:pPr>
+            <a:endParaRPr lang="en-US" sz="2800" dirty="0">
+              <a:solidFill>
+                <a:schemeClr val="bg1"/>
+              </a:solidFill>
+              <a:latin typeface="Miriam Libre" pitchFamily="2" charset="-79"/>
+              <a:cs typeface="Miriam Libre" pitchFamily="2" charset="-79"/>
+            </a:endParaRPr>
+          </a:p>
+        </p:txBody>
+      </p:sp>
     </p:spTree>
     <p:extLst>
       <p:ext uri="{BB962C8B-B14F-4D97-AF65-F5344CB8AC3E}">
-        <p14:creationId xmlns:p14="http://schemas.microsoft.com/office/powerpoint/2010/main" val="2687700068"/>
+        <p14:creationId xmlns:p14="http://schemas.microsoft.com/office/powerpoint/2010/main" val="1425004807"/>
       </p:ext>
     </p:extLst>
   </p:cSld>
